--- a/paper/graphEmbedding/Graph Embedding陈浩.pptx
+++ b/paper/graphEmbedding/Graph Embedding陈浩.pptx
@@ -5,16 +5,12 @@
     <p:sldMasterId id="2147483648" r:id="rId1"/>
   </p:sldMasterIdLst>
   <p:sldIdLst>
-    <p:sldId id="265" r:id="rId2"/>
-    <p:sldId id="256" r:id="rId3"/>
-    <p:sldId id="258" r:id="rId4"/>
-    <p:sldId id="257" r:id="rId5"/>
-    <p:sldId id="259" r:id="rId6"/>
-    <p:sldId id="260" r:id="rId7"/>
-    <p:sldId id="261" r:id="rId8"/>
-    <p:sldId id="262" r:id="rId9"/>
-    <p:sldId id="263" r:id="rId10"/>
-    <p:sldId id="264" r:id="rId11"/>
+    <p:sldId id="256" r:id="rId2"/>
+    <p:sldId id="258" r:id="rId3"/>
+    <p:sldId id="257" r:id="rId4"/>
+    <p:sldId id="259" r:id="rId5"/>
+    <p:sldId id="260" r:id="rId6"/>
+    <p:sldId id="261" r:id="rId7"/>
   </p:sldIdLst>
   <p:sldSz cx="12192000" cy="6858000"/>
   <p:notesSz cx="6858000" cy="9144000"/>
@@ -113,11 +109,6 @@
       </a:defRPr>
     </a:lvl9pPr>
   </p:defaultTextStyle>
-  <p:extLst>
-    <p:ext uri="{EFAFB233-063F-42B5-8137-9DF3F51BA10A}">
-      <p15:sldGuideLst xmlns:p15="http://schemas.microsoft.com/office/powerpoint/2012/main"/>
-    </p:ext>
-  </p:extLst>
 </p:presentation>
 </file>
 
@@ -252,7 +243,7 @@
           <a:p>
             <a:fld id="{D3F80373-CDCC-4B83-A7F6-70B73591FFE3}" type="datetimeFigureOut">
               <a:rPr lang="zh-CN" altLang="en-US" smtClean="0"/>
-              <a:t>2020/4/28</a:t>
+              <a:t>2020/4/18</a:t>
             </a:fld>
             <a:endParaRPr lang="zh-CN" altLang="en-US"/>
           </a:p>
@@ -422,7 +413,7 @@
           <a:p>
             <a:fld id="{D3F80373-CDCC-4B83-A7F6-70B73591FFE3}" type="datetimeFigureOut">
               <a:rPr lang="zh-CN" altLang="en-US" smtClean="0"/>
-              <a:t>2020/4/28</a:t>
+              <a:t>2020/4/18</a:t>
             </a:fld>
             <a:endParaRPr lang="zh-CN" altLang="en-US"/>
           </a:p>
@@ -602,7 +593,7 @@
           <a:p>
             <a:fld id="{D3F80373-CDCC-4B83-A7F6-70B73591FFE3}" type="datetimeFigureOut">
               <a:rPr lang="zh-CN" altLang="en-US" smtClean="0"/>
-              <a:t>2020/4/28</a:t>
+              <a:t>2020/4/18</a:t>
             </a:fld>
             <a:endParaRPr lang="zh-CN" altLang="en-US"/>
           </a:p>
@@ -772,7 +763,7 @@
           <a:p>
             <a:fld id="{D3F80373-CDCC-4B83-A7F6-70B73591FFE3}" type="datetimeFigureOut">
               <a:rPr lang="zh-CN" altLang="en-US" smtClean="0"/>
-              <a:t>2020/4/28</a:t>
+              <a:t>2020/4/18</a:t>
             </a:fld>
             <a:endParaRPr lang="zh-CN" altLang="en-US"/>
           </a:p>
@@ -1018,7 +1009,7 @@
           <a:p>
             <a:fld id="{D3F80373-CDCC-4B83-A7F6-70B73591FFE3}" type="datetimeFigureOut">
               <a:rPr lang="zh-CN" altLang="en-US" smtClean="0"/>
-              <a:t>2020/4/28</a:t>
+              <a:t>2020/4/18</a:t>
             </a:fld>
             <a:endParaRPr lang="zh-CN" altLang="en-US"/>
           </a:p>
@@ -1250,7 +1241,7 @@
           <a:p>
             <a:fld id="{D3F80373-CDCC-4B83-A7F6-70B73591FFE3}" type="datetimeFigureOut">
               <a:rPr lang="zh-CN" altLang="en-US" smtClean="0"/>
-              <a:t>2020/4/28</a:t>
+              <a:t>2020/4/18</a:t>
             </a:fld>
             <a:endParaRPr lang="zh-CN" altLang="en-US"/>
           </a:p>
@@ -1617,7 +1608,7 @@
           <a:p>
             <a:fld id="{D3F80373-CDCC-4B83-A7F6-70B73591FFE3}" type="datetimeFigureOut">
               <a:rPr lang="zh-CN" altLang="en-US" smtClean="0"/>
-              <a:t>2020/4/28</a:t>
+              <a:t>2020/4/18</a:t>
             </a:fld>
             <a:endParaRPr lang="zh-CN" altLang="en-US"/>
           </a:p>
@@ -1735,7 +1726,7 @@
           <a:p>
             <a:fld id="{D3F80373-CDCC-4B83-A7F6-70B73591FFE3}" type="datetimeFigureOut">
               <a:rPr lang="zh-CN" altLang="en-US" smtClean="0"/>
-              <a:t>2020/4/28</a:t>
+              <a:t>2020/4/18</a:t>
             </a:fld>
             <a:endParaRPr lang="zh-CN" altLang="en-US"/>
           </a:p>
@@ -1830,7 +1821,7 @@
           <a:p>
             <a:fld id="{D3F80373-CDCC-4B83-A7F6-70B73591FFE3}" type="datetimeFigureOut">
               <a:rPr lang="zh-CN" altLang="en-US" smtClean="0"/>
-              <a:t>2020/4/28</a:t>
+              <a:t>2020/4/18</a:t>
             </a:fld>
             <a:endParaRPr lang="zh-CN" altLang="en-US"/>
           </a:p>
@@ -2107,7 +2098,7 @@
           <a:p>
             <a:fld id="{D3F80373-CDCC-4B83-A7F6-70B73591FFE3}" type="datetimeFigureOut">
               <a:rPr lang="zh-CN" altLang="en-US" smtClean="0"/>
-              <a:t>2020/4/28</a:t>
+              <a:t>2020/4/18</a:t>
             </a:fld>
             <a:endParaRPr lang="zh-CN" altLang="en-US"/>
           </a:p>
@@ -2360,7 +2351,7 @@
           <a:p>
             <a:fld id="{D3F80373-CDCC-4B83-A7F6-70B73591FFE3}" type="datetimeFigureOut">
               <a:rPr lang="zh-CN" altLang="en-US" smtClean="0"/>
-              <a:t>2020/4/28</a:t>
+              <a:t>2020/4/18</a:t>
             </a:fld>
             <a:endParaRPr lang="zh-CN" altLang="en-US"/>
           </a:p>
@@ -2573,7 +2564,7 @@
           <a:p>
             <a:fld id="{D3F80373-CDCC-4B83-A7F6-70B73591FFE3}" type="datetimeFigureOut">
               <a:rPr lang="zh-CN" altLang="en-US" smtClean="0"/>
-              <a:t>2020/4/28</a:t>
+              <a:t>2020/4/18</a:t>
             </a:fld>
             <a:endParaRPr lang="zh-CN" altLang="en-US"/>
           </a:p>
@@ -2985,232 +2976,6 @@
             <a:spLocks noGrp="1"/>
           </p:cNvSpPr>
           <p:nvPr>
-            <p:ph type="title"/>
-          </p:nvPr>
-        </p:nvSpPr>
-        <p:spPr>
-          <a:xfrm>
-            <a:off x="838200" y="365125"/>
-            <a:ext cx="10515600" cy="5751470"/>
-          </a:xfrm>
-        </p:spPr>
-        <p:txBody>
-          <a:bodyPr>
-            <a:normAutofit fontScale="90000"/>
-          </a:bodyPr>
-          <a:lstStyle/>
-          <a:p>
-            <a:pPr algn="ctr"/>
-            <a:r>
-              <a:rPr lang="en-US" altLang="zh-CN" sz="6600" dirty="0" smtClean="0">
-                <a:latin typeface="Times New Roman" panose="02020603050405020304" pitchFamily="18" charset="0"/>
-                <a:cs typeface="Times New Roman" panose="02020603050405020304" pitchFamily="18" charset="0"/>
-              </a:rPr>
-              <a:t/>
-            </a:r>
-            <a:br>
-              <a:rPr lang="en-US" altLang="zh-CN" sz="6600" dirty="0" smtClean="0">
-                <a:latin typeface="Times New Roman" panose="02020603050405020304" pitchFamily="18" charset="0"/>
-                <a:cs typeface="Times New Roman" panose="02020603050405020304" pitchFamily="18" charset="0"/>
-              </a:rPr>
-            </a:br>
-            <a:r>
-              <a:rPr lang="en-US" altLang="zh-CN" sz="6600" dirty="0">
-                <a:latin typeface="Times New Roman" panose="02020603050405020304" pitchFamily="18" charset="0"/>
-                <a:cs typeface="Times New Roman" panose="02020603050405020304" pitchFamily="18" charset="0"/>
-              </a:rPr>
-              <a:t/>
-            </a:r>
-            <a:br>
-              <a:rPr lang="en-US" altLang="zh-CN" sz="6600" dirty="0">
-                <a:latin typeface="Times New Roman" panose="02020603050405020304" pitchFamily="18" charset="0"/>
-                <a:cs typeface="Times New Roman" panose="02020603050405020304" pitchFamily="18" charset="0"/>
-              </a:rPr>
-            </a:br>
-            <a:r>
-              <a:rPr lang="en-US" altLang="zh-CN" sz="6600" dirty="0" smtClean="0">
-                <a:latin typeface="Times New Roman" panose="02020603050405020304" pitchFamily="18" charset="0"/>
-                <a:cs typeface="Times New Roman" panose="02020603050405020304" pitchFamily="18" charset="0"/>
-              </a:rPr>
-              <a:t>Graph Embedding</a:t>
-            </a:r>
-            <a:br>
-              <a:rPr lang="en-US" altLang="zh-CN" sz="6600" dirty="0" smtClean="0">
-                <a:latin typeface="Times New Roman" panose="02020603050405020304" pitchFamily="18" charset="0"/>
-                <a:cs typeface="Times New Roman" panose="02020603050405020304" pitchFamily="18" charset="0"/>
-              </a:rPr>
-            </a:br>
-            <a:r>
-              <a:rPr lang="en-US" altLang="zh-CN" sz="6600" dirty="0">
-                <a:latin typeface="Times New Roman" panose="02020603050405020304" pitchFamily="18" charset="0"/>
-                <a:cs typeface="Times New Roman" panose="02020603050405020304" pitchFamily="18" charset="0"/>
-              </a:rPr>
-              <a:t/>
-            </a:r>
-            <a:br>
-              <a:rPr lang="en-US" altLang="zh-CN" sz="6600" dirty="0">
-                <a:latin typeface="Times New Roman" panose="02020603050405020304" pitchFamily="18" charset="0"/>
-                <a:cs typeface="Times New Roman" panose="02020603050405020304" pitchFamily="18" charset="0"/>
-              </a:rPr>
-            </a:br>
-            <a:r>
-              <a:rPr lang="en-US" altLang="zh-CN" sz="6600" dirty="0" smtClean="0">
-                <a:latin typeface="Times New Roman" panose="02020603050405020304" pitchFamily="18" charset="0"/>
-                <a:cs typeface="Times New Roman" panose="02020603050405020304" pitchFamily="18" charset="0"/>
-              </a:rPr>
-              <a:t/>
-            </a:r>
-            <a:br>
-              <a:rPr lang="en-US" altLang="zh-CN" sz="6600" dirty="0" smtClean="0">
-                <a:latin typeface="Times New Roman" panose="02020603050405020304" pitchFamily="18" charset="0"/>
-                <a:cs typeface="Times New Roman" panose="02020603050405020304" pitchFamily="18" charset="0"/>
-              </a:rPr>
-            </a:br>
-            <a:r>
-              <a:rPr lang="en-US" altLang="zh-CN" sz="6600" dirty="0" smtClean="0">
-                <a:latin typeface="Times New Roman" panose="02020603050405020304" pitchFamily="18" charset="0"/>
-                <a:cs typeface="Times New Roman" panose="02020603050405020304" pitchFamily="18" charset="0"/>
-              </a:rPr>
-              <a:t> </a:t>
-            </a:r>
-            <a:r>
-              <a:rPr lang="zh-CN" altLang="en-US" sz="3600" dirty="0" smtClean="0">
-                <a:latin typeface="Times New Roman" panose="02020603050405020304" pitchFamily="18" charset="0"/>
-                <a:cs typeface="Times New Roman" panose="02020603050405020304" pitchFamily="18" charset="0"/>
-              </a:rPr>
-              <a:t>陈浩</a:t>
-            </a:r>
-            <a:r>
-              <a:rPr lang="en-US" altLang="zh-CN" sz="3600" dirty="0" smtClean="0">
-                <a:latin typeface="Times New Roman" panose="02020603050405020304" pitchFamily="18" charset="0"/>
-                <a:cs typeface="Times New Roman" panose="02020603050405020304" pitchFamily="18" charset="0"/>
-              </a:rPr>
-              <a:t/>
-            </a:r>
-            <a:br>
-              <a:rPr lang="en-US" altLang="zh-CN" sz="3600" dirty="0" smtClean="0">
-                <a:latin typeface="Times New Roman" panose="02020603050405020304" pitchFamily="18" charset="0"/>
-                <a:cs typeface="Times New Roman" panose="02020603050405020304" pitchFamily="18" charset="0"/>
-              </a:rPr>
-            </a:br>
-            <a:r>
-              <a:rPr lang="en-US" altLang="zh-CN" sz="3600" smtClean="0">
-                <a:latin typeface="Times New Roman" panose="02020603050405020304" pitchFamily="18" charset="0"/>
-                <a:cs typeface="Times New Roman" panose="02020603050405020304" pitchFamily="18" charset="0"/>
-              </a:rPr>
-              <a:t>   2020.04</a:t>
-            </a:r>
-            <a:endParaRPr lang="zh-CN" altLang="en-US" sz="3600" dirty="0">
-              <a:latin typeface="Times New Roman" panose="02020603050405020304" pitchFamily="18" charset="0"/>
-              <a:cs typeface="Times New Roman" panose="02020603050405020304" pitchFamily="18" charset="0"/>
-            </a:endParaRPr>
-          </a:p>
-        </p:txBody>
-      </p:sp>
-    </p:spTree>
-    <p:extLst>
-      <p:ext uri="{BB962C8B-B14F-4D97-AF65-F5344CB8AC3E}">
-        <p14:creationId xmlns:p14="http://schemas.microsoft.com/office/powerpoint/2010/main" val="1840532228"/>
-      </p:ext>
-    </p:extLst>
-  </p:cSld>
-  <p:clrMapOvr>
-    <a:masterClrMapping/>
-  </p:clrMapOvr>
-  <p:timing>
-    <p:tnLst>
-      <p:par>
-        <p:cTn id="1" dur="indefinite" restart="never" nodeType="tmRoot"/>
-      </p:par>
-    </p:tnLst>
-  </p:timing>
-</p:sld>
-</file>
-
-<file path=ppt/slides/slide10.xml><?xml version="1.0" encoding="utf-8"?>
-<p:sld xmlns:a="http://schemas.openxmlformats.org/drawingml/2006/main" xmlns:r="http://schemas.openxmlformats.org/officeDocument/2006/relationships" xmlns:p="http://schemas.openxmlformats.org/presentationml/2006/main">
-  <p:cSld>
-    <p:spTree>
-      <p:nvGrpSpPr>
-        <p:cNvPr id="1" name=""/>
-        <p:cNvGrpSpPr/>
-        <p:nvPr/>
-      </p:nvGrpSpPr>
-      <p:grpSpPr>
-        <a:xfrm>
-          <a:off x="0" y="0"/>
-          <a:ext cx="0" cy="0"/>
-          <a:chOff x="0" y="0"/>
-          <a:chExt cx="0" cy="0"/>
-        </a:xfrm>
-      </p:grpSpPr>
-      <p:sp>
-        <p:nvSpPr>
-          <p:cNvPr id="5" name="标题 4"/>
-          <p:cNvSpPr>
-            <a:spLocks noGrp="1"/>
-          </p:cNvSpPr>
-          <p:nvPr>
-            <p:ph type="ctrTitle"/>
-          </p:nvPr>
-        </p:nvSpPr>
-        <p:spPr/>
-        <p:txBody>
-          <a:bodyPr/>
-          <a:lstStyle/>
-          <a:p>
-            <a:r>
-              <a:rPr lang="zh-CN" altLang="en-US" dirty="0" smtClean="0"/>
-              <a:t>谢谢！</a:t>
-            </a:r>
-            <a:endParaRPr lang="zh-CN" altLang="en-US" dirty="0"/>
-          </a:p>
-        </p:txBody>
-      </p:sp>
-    </p:spTree>
-    <p:extLst>
-      <p:ext uri="{BB962C8B-B14F-4D97-AF65-F5344CB8AC3E}">
-        <p14:creationId xmlns:p14="http://schemas.microsoft.com/office/powerpoint/2010/main" val="3554113633"/>
-      </p:ext>
-    </p:extLst>
-  </p:cSld>
-  <p:clrMapOvr>
-    <a:masterClrMapping/>
-  </p:clrMapOvr>
-  <p:timing>
-    <p:tnLst>
-      <p:par>
-        <p:cTn id="1" dur="indefinite" restart="never" nodeType="tmRoot"/>
-      </p:par>
-    </p:tnLst>
-  </p:timing>
-</p:sld>
-</file>
-
-<file path=ppt/slides/slide2.xml><?xml version="1.0" encoding="utf-8"?>
-<p:sld xmlns:a="http://schemas.openxmlformats.org/drawingml/2006/main" xmlns:r="http://schemas.openxmlformats.org/officeDocument/2006/relationships" xmlns:p="http://schemas.openxmlformats.org/presentationml/2006/main">
-  <p:cSld>
-    <p:spTree>
-      <p:nvGrpSpPr>
-        <p:cNvPr id="1" name=""/>
-        <p:cNvGrpSpPr/>
-        <p:nvPr/>
-      </p:nvGrpSpPr>
-      <p:grpSpPr>
-        <a:xfrm>
-          <a:off x="0" y="0"/>
-          <a:ext cx="0" cy="0"/>
-          <a:chOff x="0" y="0"/>
-          <a:chExt cx="0" cy="0"/>
-        </a:xfrm>
-      </p:grpSpPr>
-      <p:sp>
-        <p:nvSpPr>
-          <p:cNvPr id="2" name="标题 1"/>
-          <p:cNvSpPr>
-            <a:spLocks noGrp="1"/>
-          </p:cNvSpPr>
-          <p:nvPr>
             <p:ph type="ctrTitle"/>
           </p:nvPr>
         </p:nvSpPr>
@@ -3310,7 +3075,7 @@
           </a:p>
           <a:p>
             <a:r>
-              <a:rPr lang="zh-CN" altLang="en-US" b="1" dirty="0">
+              <a:rPr lang="zh-CN" altLang="en-US" dirty="0">
                 <a:latin typeface="Times New Roman" panose="02020603050405020304" pitchFamily="18" charset="0"/>
                 <a:cs typeface="Times New Roman" panose="02020603050405020304" pitchFamily="18" charset="0"/>
               </a:rPr>
@@ -3426,18 +3191,11 @@
           </a:p>
           <a:p>
             <a:r>
-              <a:rPr lang="zh-CN" altLang="en-US" b="1" dirty="0" smtClean="0">
-                <a:latin typeface="Times New Roman" panose="02020603050405020304" pitchFamily="18" charset="0"/>
-                <a:cs typeface="Times New Roman" panose="02020603050405020304" pitchFamily="18" charset="0"/>
-              </a:rPr>
-              <a:t>模型</a:t>
-            </a:r>
-            <a:r>
               <a:rPr lang="zh-CN" altLang="en-US" dirty="0" smtClean="0">
                 <a:latin typeface="Times New Roman" panose="02020603050405020304" pitchFamily="18" charset="0"/>
                 <a:cs typeface="Times New Roman" panose="02020603050405020304" pitchFamily="18" charset="0"/>
               </a:rPr>
-              <a:t>：</a:t>
+              <a:t>模型：</a:t>
             </a:r>
             <a:endParaRPr lang="en-US" altLang="zh-CN" dirty="0">
               <a:latin typeface="Times New Roman" panose="02020603050405020304" pitchFamily="18" charset="0"/>
@@ -3715,51 +3473,50 @@
       </p:cxnSp>
       <p:graphicFrame>
         <p:nvGraphicFramePr>
-          <p:cNvPr id="5" name="表格 4"/>
+          <p:cNvPr id="41" name="表格 40"/>
           <p:cNvGraphicFramePr>
             <a:graphicFrameLocks noGrp="1"/>
           </p:cNvGraphicFramePr>
           <p:nvPr>
             <p:extLst>
               <p:ext uri="{D42A27DB-BD31-4B8C-83A1-F6EECF244321}">
-                <p14:modId xmlns:p14="http://schemas.microsoft.com/office/powerpoint/2010/main" val="1338654403"/>
+                <p14:modId xmlns:p14="http://schemas.microsoft.com/office/powerpoint/2010/main" val="2419214316"/>
               </p:ext>
             </p:extLst>
           </p:nvPr>
         </p:nvGraphicFramePr>
         <p:xfrm>
-          <a:off x="5786512" y="588077"/>
-          <a:ext cx="6235666" cy="685800"/>
+          <a:off x="6586220" y="827806"/>
+          <a:ext cx="5267960" cy="960120"/>
         </p:xfrm>
         <a:graphic>
           <a:graphicData uri="http://schemas.openxmlformats.org/drawingml/2006/table">
             <a:tbl>
-              <a:tblPr firstRow="1" firstCol="1" bandRow="1"/>
+              <a:tblPr firstRow="1" firstCol="1" bandRow="1">
+                <a:tableStyleId>{5C22544A-7EE6-4342-B048-85BDC9FD1C3A}</a:tableStyleId>
+              </a:tblPr>
               <a:tblGrid>
-                <a:gridCol w="465060"/>
-                <a:gridCol w="5770606"/>
+                <a:gridCol w="2633980"/>
+                <a:gridCol w="2633980"/>
               </a:tblGrid>
               <a:tr h="0">
-                <a:tc rowSpan="2">
+                <a:tc>
                   <a:txBody>
                     <a:bodyPr/>
                     <a:lstStyle/>
                     <a:p>
-                      <a:pPr algn="ctr">
+                      <a:pPr algn="just">
                         <a:spcAft>
                           <a:spcPts val="0"/>
                         </a:spcAft>
                       </a:pPr>
                       <a:r>
-                        <a:rPr lang="en-US" sz="1100" kern="100" dirty="0">
+                        <a:rPr lang="en-US" sz="1050" kern="100">
                           <a:effectLst/>
-                          <a:latin typeface="Times New Roman" panose="02020603050405020304" pitchFamily="18" charset="0"/>
-                          <a:ea typeface="宋体" panose="02010600030101010101" pitchFamily="2" charset="-122"/>
-                          <a:cs typeface="Times New Roman" panose="02020603050405020304" pitchFamily="18" charset="0"/>
                         </a:rPr>
-                        <a:t>soft</a:t>
+                        <a:t> </a:t>
                       </a:r>
-                      <a:endParaRPr lang="zh-CN" sz="1100" kern="100" dirty="0">
+                      <a:endParaRPr lang="zh-CN" sz="1050" kern="100">
                         <a:effectLst/>
                         <a:latin typeface="Calibri" panose="020F0502020204030204" pitchFamily="34" charset="0"/>
                         <a:ea typeface="宋体" panose="02010600030101010101" pitchFamily="2" charset="-122"/>
@@ -3767,44 +3524,7 @@
                       </a:endParaRPr>
                     </a:p>
                   </a:txBody>
-                  <a:tcPr marL="68580" marR="68580" marT="0" marB="0" anchor="ctr">
-                    <a:lnL w="12700" cap="flat" cmpd="sng" algn="ctr">
-                      <a:solidFill>
-                        <a:srgbClr val="000000"/>
-                      </a:solidFill>
-                      <a:prstDash val="solid"/>
-                      <a:round/>
-                      <a:headEnd type="none" w="med" len="med"/>
-                      <a:tailEnd type="none" w="med" len="med"/>
-                    </a:lnL>
-                    <a:lnR w="12700" cap="flat" cmpd="sng" algn="ctr">
-                      <a:solidFill>
-                        <a:srgbClr val="000000"/>
-                      </a:solidFill>
-                      <a:prstDash val="solid"/>
-                      <a:round/>
-                      <a:headEnd type="none" w="med" len="med"/>
-                      <a:tailEnd type="none" w="med" len="med"/>
-                    </a:lnR>
-                    <a:lnT w="12700" cap="flat" cmpd="sng" algn="ctr">
-                      <a:solidFill>
-                        <a:srgbClr val="000000"/>
-                      </a:solidFill>
-                      <a:prstDash val="solid"/>
-                      <a:round/>
-                      <a:headEnd type="none" w="med" len="med"/>
-                      <a:tailEnd type="none" w="med" len="med"/>
-                    </a:lnT>
-                    <a:lnB w="12700" cap="flat" cmpd="sng" algn="ctr">
-                      <a:solidFill>
-                        <a:srgbClr val="000000"/>
-                      </a:solidFill>
-                      <a:prstDash val="solid"/>
-                      <a:round/>
-                      <a:headEnd type="none" w="med" len="med"/>
-                      <a:tailEnd type="none" w="med" len="med"/>
-                    </a:lnB>
-                  </a:tcPr>
+                  <a:tcPr marL="68580" marR="68580" marT="0" marB="0"/>
                 </a:tc>
                 <a:tc>
                   <a:txBody>
@@ -3817,114 +3537,12 @@
                         </a:spcAft>
                       </a:pPr>
                       <a:r>
-                        <a:rPr lang="zh-CN" sz="1200" kern="100" dirty="0">
+                        <a:rPr lang="zh-CN" sz="1050" kern="100">
                           <a:effectLst/>
-                          <a:latin typeface="Times New Roman" panose="02020603050405020304" pitchFamily="18" charset="0"/>
-                          <a:ea typeface="宋体" panose="02010600030101010101" pitchFamily="2" charset="-122"/>
-                          <a:cs typeface="Times New Roman" panose="02020603050405020304" pitchFamily="18" charset="0"/>
                         </a:rPr>
-                        <a:t>腾讯微云</a:t>
+                        <a:t>微信，</a:t>
                       </a:r>
-                      <a:r>
-                        <a:rPr lang="en-US" sz="1200" kern="100" dirty="0">
-                          <a:effectLst/>
-                          <a:latin typeface="Times New Roman" panose="02020603050405020304" pitchFamily="18" charset="0"/>
-                          <a:ea typeface="宋体" panose="02010600030101010101" pitchFamily="2" charset="-122"/>
-                          <a:cs typeface="Times New Roman" panose="02020603050405020304" pitchFamily="18" charset="0"/>
-                        </a:rPr>
-                        <a:t>;</a:t>
-                      </a:r>
-                      <a:r>
-                        <a:rPr lang="zh-CN" sz="1200" kern="100" dirty="0">
-                          <a:effectLst/>
-                          <a:latin typeface="Times New Roman" panose="02020603050405020304" pitchFamily="18" charset="0"/>
-                          <a:ea typeface="宋体" panose="02010600030101010101" pitchFamily="2" charset="-122"/>
-                          <a:cs typeface="Times New Roman" panose="02020603050405020304" pitchFamily="18" charset="0"/>
-                        </a:rPr>
-                        <a:t>必胜客</a:t>
-                      </a:r>
-                      <a:r>
-                        <a:rPr lang="en-US" sz="1200" kern="100" dirty="0">
-                          <a:effectLst/>
-                          <a:latin typeface="Times New Roman" panose="02020603050405020304" pitchFamily="18" charset="0"/>
-                          <a:ea typeface="宋体" panose="02010600030101010101" pitchFamily="2" charset="-122"/>
-                          <a:cs typeface="Times New Roman" panose="02020603050405020304" pitchFamily="18" charset="0"/>
-                        </a:rPr>
-                        <a:t>;</a:t>
-                      </a:r>
-                      <a:r>
-                        <a:rPr lang="zh-CN" sz="1200" kern="100" dirty="0">
-                          <a:effectLst/>
-                          <a:latin typeface="Times New Roman" panose="02020603050405020304" pitchFamily="18" charset="0"/>
-                          <a:ea typeface="宋体" panose="02010600030101010101" pitchFamily="2" charset="-122"/>
-                          <a:cs typeface="Times New Roman" panose="02020603050405020304" pitchFamily="18" charset="0"/>
-                        </a:rPr>
-                        <a:t>指划修图</a:t>
-                      </a:r>
-                      <a:r>
-                        <a:rPr lang="en-US" sz="1200" kern="100" dirty="0">
-                          <a:effectLst/>
-                          <a:latin typeface="Times New Roman" panose="02020603050405020304" pitchFamily="18" charset="0"/>
-                          <a:ea typeface="宋体" panose="02010600030101010101" pitchFamily="2" charset="-122"/>
-                          <a:cs typeface="Times New Roman" panose="02020603050405020304" pitchFamily="18" charset="0"/>
-                        </a:rPr>
-                        <a:t> </a:t>
-                      </a:r>
-                      <a:r>
-                        <a:rPr lang="en-US" sz="1200" kern="100" dirty="0" err="1">
-                          <a:effectLst/>
-                          <a:latin typeface="Times New Roman" panose="02020603050405020304" pitchFamily="18" charset="0"/>
-                          <a:ea typeface="宋体" panose="02010600030101010101" pitchFamily="2" charset="-122"/>
-                          <a:cs typeface="Times New Roman" panose="02020603050405020304" pitchFamily="18" charset="0"/>
-                        </a:rPr>
-                        <a:t>Snapseed</a:t>
-                      </a:r>
-                      <a:r>
-                        <a:rPr lang="en-US" sz="1200" kern="100" dirty="0">
-                          <a:effectLst/>
-                          <a:latin typeface="Times New Roman" panose="02020603050405020304" pitchFamily="18" charset="0"/>
-                          <a:ea typeface="宋体" panose="02010600030101010101" pitchFamily="2" charset="-122"/>
-                          <a:cs typeface="Times New Roman" panose="02020603050405020304" pitchFamily="18" charset="0"/>
-                        </a:rPr>
-                        <a:t>;</a:t>
-                      </a:r>
-                      <a:r>
-                        <a:rPr lang="zh-CN" sz="1200" kern="100" dirty="0">
-                          <a:effectLst/>
-                          <a:latin typeface="Times New Roman" panose="02020603050405020304" pitchFamily="18" charset="0"/>
-                          <a:ea typeface="宋体" panose="02010600030101010101" pitchFamily="2" charset="-122"/>
-                          <a:cs typeface="Times New Roman" panose="02020603050405020304" pitchFamily="18" charset="0"/>
-                        </a:rPr>
-                        <a:t>动态壁纸选择器</a:t>
-                      </a:r>
-                      <a:r>
-                        <a:rPr lang="en-US" sz="1200" kern="100" dirty="0">
-                          <a:effectLst/>
-                          <a:latin typeface="Times New Roman" panose="02020603050405020304" pitchFamily="18" charset="0"/>
-                          <a:ea typeface="宋体" panose="02010600030101010101" pitchFamily="2" charset="-122"/>
-                          <a:cs typeface="Times New Roman" panose="02020603050405020304" pitchFamily="18" charset="0"/>
-                        </a:rPr>
-                        <a:t>;</a:t>
-                      </a:r>
-                      <a:r>
-                        <a:rPr lang="zh-CN" sz="1200" kern="100" dirty="0">
-                          <a:effectLst/>
-                          <a:latin typeface="Times New Roman" panose="02020603050405020304" pitchFamily="18" charset="0"/>
-                          <a:ea typeface="宋体" panose="02010600030101010101" pitchFamily="2" charset="-122"/>
-                          <a:cs typeface="Times New Roman" panose="02020603050405020304" pitchFamily="18" charset="0"/>
-                        </a:rPr>
-                        <a:t>微博</a:t>
-                      </a:r>
-                      <a:r>
-                        <a:rPr lang="en-US" sz="1200" kern="100" dirty="0">
-                          <a:effectLst/>
-                          <a:latin typeface="Times New Roman" panose="02020603050405020304" pitchFamily="18" charset="0"/>
-                          <a:ea typeface="宋体" panose="02010600030101010101" pitchFamily="2" charset="-122"/>
-                          <a:cs typeface="Times New Roman" panose="02020603050405020304" pitchFamily="18" charset="0"/>
-                        </a:rPr>
-                        <a:t>;</a:t>
-                      </a:r>
-                      <a:endParaRPr lang="zh-CN" sz="1200" kern="100" dirty="0">
+                      <a:endParaRPr lang="zh-CN" sz="1050" kern="100">
                         <a:effectLst/>
                         <a:latin typeface="Calibri" panose="020F0502020204030204" pitchFamily="34" charset="0"/>
                         <a:ea typeface="宋体" panose="02010600030101010101" pitchFamily="2" charset="-122"/>
@@ -3932,56 +3550,35 @@
                       </a:endParaRPr>
                     </a:p>
                   </a:txBody>
-                  <a:tcPr marL="68580" marR="68580" marT="0" marB="0">
-                    <a:lnL w="12700" cap="flat" cmpd="sng" algn="ctr">
-                      <a:solidFill>
-                        <a:srgbClr val="000000"/>
-                      </a:solidFill>
-                      <a:prstDash val="solid"/>
-                      <a:round/>
-                      <a:headEnd type="none" w="med" len="med"/>
-                      <a:tailEnd type="none" w="med" len="med"/>
-                    </a:lnL>
-                    <a:lnR w="12700" cap="flat" cmpd="sng" algn="ctr">
-                      <a:solidFill>
-                        <a:srgbClr val="000000"/>
-                      </a:solidFill>
-                      <a:prstDash val="solid"/>
-                      <a:round/>
-                      <a:headEnd type="none" w="med" len="med"/>
-                      <a:tailEnd type="none" w="med" len="med"/>
-                    </a:lnR>
-                    <a:lnT w="12700" cap="flat" cmpd="sng" algn="ctr">
-                      <a:solidFill>
-                        <a:srgbClr val="000000"/>
-                      </a:solidFill>
-                      <a:prstDash val="solid"/>
-                      <a:round/>
-                      <a:headEnd type="none" w="med" len="med"/>
-                      <a:tailEnd type="none" w="med" len="med"/>
-                    </a:lnT>
-                    <a:lnB w="12700" cap="flat" cmpd="sng" algn="ctr">
-                      <a:solidFill>
-                        <a:srgbClr val="000000"/>
-                      </a:solidFill>
-                      <a:prstDash val="solid"/>
-                      <a:round/>
-                      <a:headEnd type="none" w="med" len="med"/>
-                      <a:tailEnd type="none" w="med" len="med"/>
-                    </a:lnB>
-                  </a:tcPr>
+                  <a:tcPr marL="68580" marR="68580" marT="0" marB="0"/>
                 </a:tc>
               </a:tr>
               <a:tr h="0">
-                <a:tc vMerge="1">
+                <a:tc>
                   <a:txBody>
                     <a:bodyPr/>
                     <a:lstStyle/>
                     <a:p>
-                      <a:endParaRPr lang="zh-CN" altLang="en-US"/>
+                      <a:pPr algn="just">
+                        <a:spcAft>
+                          <a:spcPts val="0"/>
+                        </a:spcAft>
+                      </a:pPr>
+                      <a:r>
+                        <a:rPr lang="en-US" sz="1050" kern="100">
+                          <a:effectLst/>
+                        </a:rPr>
+                        <a:t> </a:t>
+                      </a:r>
+                      <a:endParaRPr lang="zh-CN" sz="1050" kern="100">
+                        <a:effectLst/>
+                        <a:latin typeface="Calibri" panose="020F0502020204030204" pitchFamily="34" charset="0"/>
+                        <a:ea typeface="宋体" panose="02010600030101010101" pitchFamily="2" charset="-122"/>
+                        <a:cs typeface="Times New Roman" panose="02020603050405020304" pitchFamily="18" charset="0"/>
+                      </a:endParaRPr>
                     </a:p>
                   </a:txBody>
-                  <a:tcPr/>
+                  <a:tcPr marL="68580" marR="68580" marT="0" marB="0"/>
                 </a:tc>
                 <a:tc>
                   <a:txBody>
@@ -3994,123 +3591,12 @@
                         </a:spcAft>
                       </a:pPr>
                       <a:r>
-                        <a:rPr lang="zh-CN" sz="1100" kern="100">
+                        <a:rPr lang="en-US" sz="1050" kern="100">
                           <a:effectLst/>
-                          <a:latin typeface="Times New Roman" panose="02020603050405020304" pitchFamily="18" charset="0"/>
-                          <a:ea typeface="宋体" panose="02010600030101010101" pitchFamily="2" charset="-122"/>
-                          <a:cs typeface="Times New Roman" panose="02020603050405020304" pitchFamily="18" charset="0"/>
                         </a:rPr>
-                        <a:t>功能相机</a:t>
+                        <a:t> </a:t>
                       </a:r>
-                      <a:r>
-                        <a:rPr lang="en-US" sz="1100" kern="100">
-                          <a:effectLst/>
-                          <a:latin typeface="Times New Roman" panose="02020603050405020304" pitchFamily="18" charset="0"/>
-                          <a:ea typeface="宋体" panose="02010600030101010101" pitchFamily="2" charset="-122"/>
-                          <a:cs typeface="Times New Roman" panose="02020603050405020304" pitchFamily="18" charset="0"/>
-                        </a:rPr>
-                        <a:t>;</a:t>
-                      </a:r>
-                      <a:r>
-                        <a:rPr lang="zh-CN" sz="1100" kern="100">
-                          <a:effectLst/>
-                          <a:latin typeface="Times New Roman" panose="02020603050405020304" pitchFamily="18" charset="0"/>
-                          <a:ea typeface="宋体" panose="02010600030101010101" pitchFamily="2" charset="-122"/>
-                          <a:cs typeface="Times New Roman" panose="02020603050405020304" pitchFamily="18" charset="0"/>
-                        </a:rPr>
-                        <a:t>微信</a:t>
-                      </a:r>
-                      <a:r>
-                        <a:rPr lang="en-US" sz="1100" kern="100">
-                          <a:effectLst/>
-                          <a:latin typeface="Times New Roman" panose="02020603050405020304" pitchFamily="18" charset="0"/>
-                          <a:ea typeface="宋体" panose="02010600030101010101" pitchFamily="2" charset="-122"/>
-                          <a:cs typeface="Times New Roman" panose="02020603050405020304" pitchFamily="18" charset="0"/>
-                        </a:rPr>
-                        <a:t>;</a:t>
-                      </a:r>
-                      <a:r>
-                        <a:rPr lang="zh-CN" sz="1100" kern="100">
-                          <a:effectLst/>
-                          <a:latin typeface="Times New Roman" panose="02020603050405020304" pitchFamily="18" charset="0"/>
-                          <a:ea typeface="宋体" panose="02010600030101010101" pitchFamily="2" charset="-122"/>
-                          <a:cs typeface="Times New Roman" panose="02020603050405020304" pitchFamily="18" charset="0"/>
-                        </a:rPr>
-                        <a:t>计算器</a:t>
-                      </a:r>
-                      <a:r>
-                        <a:rPr lang="en-US" sz="1100" kern="100">
-                          <a:effectLst/>
-                          <a:latin typeface="Times New Roman" panose="02020603050405020304" pitchFamily="18" charset="0"/>
-                          <a:ea typeface="宋体" panose="02010600030101010101" pitchFamily="2" charset="-122"/>
-                          <a:cs typeface="Times New Roman" panose="02020603050405020304" pitchFamily="18" charset="0"/>
-                        </a:rPr>
-                        <a:t>;</a:t>
-                      </a:r>
-                      <a:r>
-                        <a:rPr lang="zh-CN" sz="1100" kern="100">
-                          <a:effectLst/>
-                          <a:latin typeface="Times New Roman" panose="02020603050405020304" pitchFamily="18" charset="0"/>
-                          <a:ea typeface="宋体" panose="02010600030101010101" pitchFamily="2" charset="-122"/>
-                          <a:cs typeface="Times New Roman" panose="02020603050405020304" pitchFamily="18" charset="0"/>
-                        </a:rPr>
-                        <a:t>下载内容</a:t>
-                      </a:r>
-                      <a:r>
-                        <a:rPr lang="zh-CN" sz="1100" kern="100">
-                          <a:effectLst/>
-                          <a:latin typeface="Calibri" panose="020F0502020204030204" pitchFamily="34" charset="0"/>
-                          <a:ea typeface="Times New Roman" panose="02020603050405020304" pitchFamily="18" charset="0"/>
-                          <a:cs typeface="Times New Roman" panose="02020603050405020304" pitchFamily="18" charset="0"/>
-                        </a:rPr>
-                        <a:t> </a:t>
-                      </a:r>
-                      <a:r>
-                        <a:rPr lang="zh-CN" sz="1100" kern="100">
-                          <a:effectLst/>
-                          <a:latin typeface="Times New Roman" panose="02020603050405020304" pitchFamily="18" charset="0"/>
-                          <a:ea typeface="宋体" panose="02010600030101010101" pitchFamily="2" charset="-122"/>
-                          <a:cs typeface="Times New Roman" panose="02020603050405020304" pitchFamily="18" charset="0"/>
-                        </a:rPr>
-                        <a:t>夏新定制版</a:t>
-                      </a:r>
-                      <a:r>
-                        <a:rPr lang="en-US" sz="1100" kern="100">
-                          <a:effectLst/>
-                          <a:latin typeface="Times New Roman" panose="02020603050405020304" pitchFamily="18" charset="0"/>
-                          <a:ea typeface="宋体" panose="02010600030101010101" pitchFamily="2" charset="-122"/>
-                          <a:cs typeface="Times New Roman" panose="02020603050405020304" pitchFamily="18" charset="0"/>
-                        </a:rPr>
-                        <a:t>;</a:t>
-                      </a:r>
-                      <a:r>
-                        <a:rPr lang="zh-CN" sz="1100" kern="100">
-                          <a:effectLst/>
-                          <a:latin typeface="Times New Roman" panose="02020603050405020304" pitchFamily="18" charset="0"/>
-                          <a:ea typeface="宋体" panose="02010600030101010101" pitchFamily="2" charset="-122"/>
-                          <a:cs typeface="Times New Roman" panose="02020603050405020304" pitchFamily="18" charset="0"/>
-                        </a:rPr>
-                        <a:t>小米百变锁屏</a:t>
-                      </a:r>
-                      <a:r>
-                        <a:rPr lang="en-US" sz="1100" kern="100">
-                          <a:effectLst/>
-                          <a:latin typeface="Times New Roman" panose="02020603050405020304" pitchFamily="18" charset="0"/>
-                          <a:ea typeface="宋体" panose="02010600030101010101" pitchFamily="2" charset="-122"/>
-                          <a:cs typeface="Times New Roman" panose="02020603050405020304" pitchFamily="18" charset="0"/>
-                        </a:rPr>
-                        <a:t>(MiLocker);</a:t>
-                      </a:r>
-                      <a:r>
-                        <a:rPr lang="zh-CN" sz="1100" kern="100">
-                          <a:effectLst/>
-                          <a:latin typeface="Times New Roman" panose="02020603050405020304" pitchFamily="18" charset="0"/>
-                          <a:ea typeface="宋体" panose="02010600030101010101" pitchFamily="2" charset="-122"/>
-                          <a:cs typeface="Times New Roman" panose="02020603050405020304" pitchFamily="18" charset="0"/>
-                        </a:rPr>
-                        <a:t>京东</a:t>
-                      </a:r>
-                      <a:endParaRPr lang="zh-CN" sz="1100" kern="100">
+                      <a:endParaRPr lang="zh-CN" sz="1050" kern="100">
                         <a:effectLst/>
                         <a:latin typeface="Calibri" panose="020F0502020204030204" pitchFamily="34" charset="0"/>
                         <a:ea typeface="宋体" panose="02010600030101010101" pitchFamily="2" charset="-122"/>
@@ -4118,67 +3604,27 @@
                       </a:endParaRPr>
                     </a:p>
                   </a:txBody>
-                  <a:tcPr marL="68580" marR="68580" marT="0" marB="0">
-                    <a:lnL w="12700" cap="flat" cmpd="sng" algn="ctr">
-                      <a:solidFill>
-                        <a:srgbClr val="000000"/>
-                      </a:solidFill>
-                      <a:prstDash val="solid"/>
-                      <a:round/>
-                      <a:headEnd type="none" w="med" len="med"/>
-                      <a:tailEnd type="none" w="med" len="med"/>
-                    </a:lnL>
-                    <a:lnR w="12700" cap="flat" cmpd="sng" algn="ctr">
-                      <a:solidFill>
-                        <a:srgbClr val="000000"/>
-                      </a:solidFill>
-                      <a:prstDash val="solid"/>
-                      <a:round/>
-                      <a:headEnd type="none" w="med" len="med"/>
-                      <a:tailEnd type="none" w="med" len="med"/>
-                    </a:lnR>
-                    <a:lnT w="12700" cap="flat" cmpd="sng" algn="ctr">
-                      <a:solidFill>
-                        <a:srgbClr val="000000"/>
-                      </a:solidFill>
-                      <a:prstDash val="solid"/>
-                      <a:round/>
-                      <a:headEnd type="none" w="med" len="med"/>
-                      <a:tailEnd type="none" w="med" len="med"/>
-                    </a:lnT>
-                    <a:lnB w="12700" cap="flat" cmpd="sng" algn="ctr">
-                      <a:solidFill>
-                        <a:srgbClr val="000000"/>
-                      </a:solidFill>
-                      <a:prstDash val="solid"/>
-                      <a:round/>
-                      <a:headEnd type="none" w="med" len="med"/>
-                      <a:tailEnd type="none" w="med" len="med"/>
-                    </a:lnB>
-                  </a:tcPr>
+                  <a:tcPr marL="68580" marR="68580" marT="0" marB="0"/>
                 </a:tc>
               </a:tr>
               <a:tr h="0">
-                <a:tc rowSpan="2">
+                <a:tc>
                   <a:txBody>
                     <a:bodyPr/>
                     <a:lstStyle/>
                     <a:p>
-                      <a:pPr algn="ctr">
+                      <a:pPr algn="just">
                         <a:spcAft>
                           <a:spcPts val="0"/>
                         </a:spcAft>
                       </a:pPr>
                       <a:r>
-                        <a:rPr lang="en-US" sz="1100" kern="100">
+                        <a:rPr lang="en-US" sz="1050" kern="100">
                           <a:effectLst/>
-                          <a:latin typeface="Times New Roman" panose="02020603050405020304" pitchFamily="18" charset="0"/>
-                          <a:ea typeface="宋体" panose="02010600030101010101" pitchFamily="2" charset="-122"/>
-                          <a:cs typeface="Times New Roman" panose="02020603050405020304" pitchFamily="18" charset="0"/>
                         </a:rPr>
-                        <a:t>game</a:t>
+                        <a:t> </a:t>
                       </a:r>
-                      <a:endParaRPr lang="zh-CN" sz="1100" kern="100">
+                      <a:endParaRPr lang="zh-CN" sz="1050" kern="100">
                         <a:effectLst/>
                         <a:latin typeface="Calibri" panose="020F0502020204030204" pitchFamily="34" charset="0"/>
                         <a:ea typeface="宋体" panose="02010600030101010101" pitchFamily="2" charset="-122"/>
@@ -4186,44 +3632,7 @@
                       </a:endParaRPr>
                     </a:p>
                   </a:txBody>
-                  <a:tcPr marL="68580" marR="68580" marT="0" marB="0" anchor="ctr">
-                    <a:lnL w="12700" cap="flat" cmpd="sng" algn="ctr">
-                      <a:solidFill>
-                        <a:srgbClr val="000000"/>
-                      </a:solidFill>
-                      <a:prstDash val="solid"/>
-                      <a:round/>
-                      <a:headEnd type="none" w="med" len="med"/>
-                      <a:tailEnd type="none" w="med" len="med"/>
-                    </a:lnL>
-                    <a:lnR w="12700" cap="flat" cmpd="sng" algn="ctr">
-                      <a:solidFill>
-                        <a:srgbClr val="000000"/>
-                      </a:solidFill>
-                      <a:prstDash val="solid"/>
-                      <a:round/>
-                      <a:headEnd type="none" w="med" len="med"/>
-                      <a:tailEnd type="none" w="med" len="med"/>
-                    </a:lnR>
-                    <a:lnT w="12700" cap="flat" cmpd="sng" algn="ctr">
-                      <a:solidFill>
-                        <a:srgbClr val="000000"/>
-                      </a:solidFill>
-                      <a:prstDash val="solid"/>
-                      <a:round/>
-                      <a:headEnd type="none" w="med" len="med"/>
-                      <a:tailEnd type="none" w="med" len="med"/>
-                    </a:lnT>
-                    <a:lnB w="12700" cap="flat" cmpd="sng" algn="ctr">
-                      <a:solidFill>
-                        <a:srgbClr val="000000"/>
-                      </a:solidFill>
-                      <a:prstDash val="solid"/>
-                      <a:round/>
-                      <a:headEnd type="none" w="med" len="med"/>
-                      <a:tailEnd type="none" w="med" len="med"/>
-                    </a:lnB>
-                  </a:tcPr>
+                  <a:tcPr marL="68580" marR="68580" marT="0" marB="0"/>
                 </a:tc>
                 <a:tc>
                   <a:txBody>
@@ -4236,123 +3645,12 @@
                         </a:spcAft>
                       </a:pPr>
                       <a:r>
-                        <a:rPr lang="zh-CN" sz="1100" kern="100">
+                        <a:rPr lang="en-US" sz="1050" kern="100">
                           <a:effectLst/>
-                          <a:latin typeface="Times New Roman" panose="02020603050405020304" pitchFamily="18" charset="0"/>
-                          <a:ea typeface="宋体" panose="02010600030101010101" pitchFamily="2" charset="-122"/>
-                          <a:cs typeface="Times New Roman" panose="02020603050405020304" pitchFamily="18" charset="0"/>
                         </a:rPr>
-                        <a:t>镜界</a:t>
+                        <a:t> </a:t>
                       </a:r>
-                      <a:r>
-                        <a:rPr lang="en-US" sz="1100" kern="100">
-                          <a:effectLst/>
-                          <a:latin typeface="Times New Roman" panose="02020603050405020304" pitchFamily="18" charset="0"/>
-                          <a:ea typeface="宋体" panose="02010600030101010101" pitchFamily="2" charset="-122"/>
-                          <a:cs typeface="Times New Roman" panose="02020603050405020304" pitchFamily="18" charset="0"/>
-                        </a:rPr>
-                        <a:t>;</a:t>
-                      </a:r>
-                      <a:r>
-                        <a:rPr lang="zh-CN" sz="1100" kern="100">
-                          <a:effectLst/>
-                          <a:latin typeface="Times New Roman" panose="02020603050405020304" pitchFamily="18" charset="0"/>
-                          <a:ea typeface="宋体" panose="02010600030101010101" pitchFamily="2" charset="-122"/>
-                          <a:cs typeface="Times New Roman" panose="02020603050405020304" pitchFamily="18" charset="0"/>
-                        </a:rPr>
-                        <a:t>极品飞车最高通缉</a:t>
-                      </a:r>
-                      <a:r>
-                        <a:rPr lang="en-US" sz="1100" kern="100">
-                          <a:effectLst/>
-                          <a:latin typeface="Times New Roman" panose="02020603050405020304" pitchFamily="18" charset="0"/>
-                          <a:ea typeface="宋体" panose="02010600030101010101" pitchFamily="2" charset="-122"/>
-                          <a:cs typeface="Times New Roman" panose="02020603050405020304" pitchFamily="18" charset="0"/>
-                        </a:rPr>
-                        <a:t> OL;</a:t>
-                      </a:r>
-                      <a:r>
-                        <a:rPr lang="zh-CN" sz="1100" kern="100">
-                          <a:effectLst/>
-                          <a:latin typeface="Times New Roman" panose="02020603050405020304" pitchFamily="18" charset="0"/>
-                          <a:ea typeface="宋体" panose="02010600030101010101" pitchFamily="2" charset="-122"/>
-                          <a:cs typeface="Times New Roman" panose="02020603050405020304" pitchFamily="18" charset="0"/>
-                        </a:rPr>
-                        <a:t>逗比人生</a:t>
-                      </a:r>
-                      <a:r>
-                        <a:rPr lang="en-US" sz="1100" kern="100">
-                          <a:effectLst/>
-                          <a:latin typeface="Times New Roman" panose="02020603050405020304" pitchFamily="18" charset="0"/>
-                          <a:ea typeface="宋体" panose="02010600030101010101" pitchFamily="2" charset="-122"/>
-                          <a:cs typeface="Times New Roman" panose="02020603050405020304" pitchFamily="18" charset="0"/>
-                        </a:rPr>
-                        <a:t>;</a:t>
-                      </a:r>
-                      <a:r>
-                        <a:rPr lang="zh-CN" sz="1100" kern="100">
-                          <a:effectLst/>
-                          <a:latin typeface="Times New Roman" panose="02020603050405020304" pitchFamily="18" charset="0"/>
-                          <a:ea typeface="宋体" panose="02010600030101010101" pitchFamily="2" charset="-122"/>
-                          <a:cs typeface="Times New Roman" panose="02020603050405020304" pitchFamily="18" charset="0"/>
-                        </a:rPr>
-                        <a:t>我的世界</a:t>
-                      </a:r>
-                      <a:r>
-                        <a:rPr lang="en-US" sz="1100" kern="100">
-                          <a:effectLst/>
-                          <a:latin typeface="Times New Roman" panose="02020603050405020304" pitchFamily="18" charset="0"/>
-                          <a:ea typeface="宋体" panose="02010600030101010101" pitchFamily="2" charset="-122"/>
-                          <a:cs typeface="Times New Roman" panose="02020603050405020304" pitchFamily="18" charset="0"/>
-                        </a:rPr>
-                        <a:t>;</a:t>
-                      </a:r>
-                      <a:r>
-                        <a:rPr lang="zh-CN" sz="1100" kern="100">
-                          <a:effectLst/>
-                          <a:latin typeface="Times New Roman" panose="02020603050405020304" pitchFamily="18" charset="0"/>
-                          <a:ea typeface="宋体" panose="02010600030101010101" pitchFamily="2" charset="-122"/>
-                          <a:cs typeface="Times New Roman" panose="02020603050405020304" pitchFamily="18" charset="0"/>
-                        </a:rPr>
-                        <a:t>火影战记</a:t>
-                      </a:r>
-                      <a:r>
-                        <a:rPr lang="en-US" sz="1100" kern="100">
-                          <a:effectLst/>
-                          <a:latin typeface="Times New Roman" panose="02020603050405020304" pitchFamily="18" charset="0"/>
-                          <a:ea typeface="宋体" panose="02010600030101010101" pitchFamily="2" charset="-122"/>
-                          <a:cs typeface="Times New Roman" panose="02020603050405020304" pitchFamily="18" charset="0"/>
-                        </a:rPr>
-                        <a:t>;</a:t>
-                      </a:r>
-                      <a:r>
-                        <a:rPr lang="zh-CN" sz="1100" kern="100">
-                          <a:effectLst/>
-                          <a:latin typeface="Times New Roman" panose="02020603050405020304" pitchFamily="18" charset="0"/>
-                          <a:ea typeface="宋体" panose="02010600030101010101" pitchFamily="2" charset="-122"/>
-                          <a:cs typeface="Times New Roman" panose="02020603050405020304" pitchFamily="18" charset="0"/>
-                        </a:rPr>
-                        <a:t>车祸英雄</a:t>
-                      </a:r>
-                      <a:r>
-                        <a:rPr lang="en-US" sz="1100" kern="100">
-                          <a:effectLst/>
-                          <a:latin typeface="Times New Roman" panose="02020603050405020304" pitchFamily="18" charset="0"/>
-                          <a:ea typeface="宋体" panose="02010600030101010101" pitchFamily="2" charset="-122"/>
-                          <a:cs typeface="Times New Roman" panose="02020603050405020304" pitchFamily="18" charset="0"/>
-                        </a:rPr>
-                        <a:t>;</a:t>
-                      </a:r>
-                      <a:r>
-                        <a:rPr lang="zh-CN" sz="1100" kern="100">
-                          <a:effectLst/>
-                          <a:latin typeface="Times New Roman" panose="02020603050405020304" pitchFamily="18" charset="0"/>
-                          <a:ea typeface="宋体" panose="02010600030101010101" pitchFamily="2" charset="-122"/>
-                          <a:cs typeface="Times New Roman" panose="02020603050405020304" pitchFamily="18" charset="0"/>
-                        </a:rPr>
-                        <a:t>穿越火线：枪战王者</a:t>
-                      </a:r>
-                      <a:endParaRPr lang="zh-CN" sz="1100" kern="100">
+                      <a:endParaRPr lang="zh-CN" sz="1050" kern="100">
                         <a:effectLst/>
                         <a:latin typeface="Calibri" panose="020F0502020204030204" pitchFamily="34" charset="0"/>
                         <a:ea typeface="宋体" panose="02010600030101010101" pitchFamily="2" charset="-122"/>
@@ -4360,56 +3658,35 @@
                       </a:endParaRPr>
                     </a:p>
                   </a:txBody>
-                  <a:tcPr marL="68580" marR="68580" marT="0" marB="0">
-                    <a:lnL w="12700" cap="flat" cmpd="sng" algn="ctr">
-                      <a:solidFill>
-                        <a:srgbClr val="000000"/>
-                      </a:solidFill>
-                      <a:prstDash val="solid"/>
-                      <a:round/>
-                      <a:headEnd type="none" w="med" len="med"/>
-                      <a:tailEnd type="none" w="med" len="med"/>
-                    </a:lnL>
-                    <a:lnR w="12700" cap="flat" cmpd="sng" algn="ctr">
-                      <a:solidFill>
-                        <a:srgbClr val="000000"/>
-                      </a:solidFill>
-                      <a:prstDash val="solid"/>
-                      <a:round/>
-                      <a:headEnd type="none" w="med" len="med"/>
-                      <a:tailEnd type="none" w="med" len="med"/>
-                    </a:lnR>
-                    <a:lnT w="12700" cap="flat" cmpd="sng" algn="ctr">
-                      <a:solidFill>
-                        <a:srgbClr val="000000"/>
-                      </a:solidFill>
-                      <a:prstDash val="solid"/>
-                      <a:round/>
-                      <a:headEnd type="none" w="med" len="med"/>
-                      <a:tailEnd type="none" w="med" len="med"/>
-                    </a:lnT>
-                    <a:lnB w="12700" cap="flat" cmpd="sng" algn="ctr">
-                      <a:solidFill>
-                        <a:srgbClr val="000000"/>
-                      </a:solidFill>
-                      <a:prstDash val="solid"/>
-                      <a:round/>
-                      <a:headEnd type="none" w="med" len="med"/>
-                      <a:tailEnd type="none" w="med" len="med"/>
-                    </a:lnB>
-                  </a:tcPr>
+                  <a:tcPr marL="68580" marR="68580" marT="0" marB="0"/>
                 </a:tc>
               </a:tr>
               <a:tr h="0">
-                <a:tc vMerge="1">
+                <a:tc>
                   <a:txBody>
                     <a:bodyPr/>
                     <a:lstStyle/>
                     <a:p>
-                      <a:endParaRPr lang="zh-CN" altLang="en-US"/>
+                      <a:pPr algn="just">
+                        <a:spcAft>
+                          <a:spcPts val="0"/>
+                        </a:spcAft>
+                      </a:pPr>
+                      <a:r>
+                        <a:rPr lang="en-US" sz="1050" kern="100">
+                          <a:effectLst/>
+                        </a:rPr>
+                        <a:t> </a:t>
+                      </a:r>
+                      <a:endParaRPr lang="zh-CN" sz="1050" kern="100">
+                        <a:effectLst/>
+                        <a:latin typeface="Calibri" panose="020F0502020204030204" pitchFamily="34" charset="0"/>
+                        <a:ea typeface="宋体" panose="02010600030101010101" pitchFamily="2" charset="-122"/>
+                        <a:cs typeface="Times New Roman" panose="02020603050405020304" pitchFamily="18" charset="0"/>
+                      </a:endParaRPr>
                     </a:p>
                   </a:txBody>
-                  <a:tcPr/>
+                  <a:tcPr marL="68580" marR="68580" marT="0" marB="0"/>
                 </a:tc>
                 <a:tc>
                   <a:txBody>
@@ -4422,87 +3699,12 @@
                         </a:spcAft>
                       </a:pPr>
                       <a:r>
-                        <a:rPr lang="zh-CN" sz="1100" kern="100" dirty="0">
+                        <a:rPr lang="en-US" sz="1050" kern="100" dirty="0">
                           <a:effectLst/>
-                          <a:latin typeface="Times New Roman" panose="02020603050405020304" pitchFamily="18" charset="0"/>
-                          <a:ea typeface="宋体" panose="02010600030101010101" pitchFamily="2" charset="-122"/>
-                          <a:cs typeface="Times New Roman" panose="02020603050405020304" pitchFamily="18" charset="0"/>
                         </a:rPr>
-                        <a:t>模拟山羊</a:t>
+                        <a:t> </a:t>
                       </a:r>
-                      <a:r>
-                        <a:rPr lang="en-US" sz="1100" kern="100" dirty="0">
-                          <a:effectLst/>
-                          <a:latin typeface="Times New Roman" panose="02020603050405020304" pitchFamily="18" charset="0"/>
-                          <a:ea typeface="宋体" panose="02010600030101010101" pitchFamily="2" charset="-122"/>
-                          <a:cs typeface="Times New Roman" panose="02020603050405020304" pitchFamily="18" charset="0"/>
-                        </a:rPr>
-                        <a:t>;</a:t>
-                      </a:r>
-                      <a:r>
-                        <a:rPr lang="zh-CN" sz="1100" kern="100" dirty="0">
-                          <a:effectLst/>
-                          <a:latin typeface="Times New Roman" panose="02020603050405020304" pitchFamily="18" charset="0"/>
-                          <a:ea typeface="宋体" panose="02010600030101010101" pitchFamily="2" charset="-122"/>
-                          <a:cs typeface="Times New Roman" panose="02020603050405020304" pitchFamily="18" charset="0"/>
-                        </a:rPr>
-                        <a:t>我功夫特牛</a:t>
-                      </a:r>
-                      <a:r>
-                        <a:rPr lang="en-US" sz="1100" kern="100" dirty="0">
-                          <a:effectLst/>
-                          <a:latin typeface="Times New Roman" panose="02020603050405020304" pitchFamily="18" charset="0"/>
-                          <a:ea typeface="宋体" panose="02010600030101010101" pitchFamily="2" charset="-122"/>
-                          <a:cs typeface="Times New Roman" panose="02020603050405020304" pitchFamily="18" charset="0"/>
-                        </a:rPr>
-                        <a:t>;</a:t>
-                      </a:r>
-                      <a:r>
-                        <a:rPr lang="zh-CN" sz="1100" kern="100" dirty="0">
-                          <a:effectLst/>
-                          <a:latin typeface="Times New Roman" panose="02020603050405020304" pitchFamily="18" charset="0"/>
-                          <a:ea typeface="宋体" panose="02010600030101010101" pitchFamily="2" charset="-122"/>
-                          <a:cs typeface="Times New Roman" panose="02020603050405020304" pitchFamily="18" charset="0"/>
-                        </a:rPr>
-                        <a:t>指尖战车</a:t>
-                      </a:r>
-                      <a:r>
-                        <a:rPr lang="en-US" sz="1100" kern="100" dirty="0">
-                          <a:effectLst/>
-                          <a:latin typeface="Times New Roman" panose="02020603050405020304" pitchFamily="18" charset="0"/>
-                          <a:ea typeface="宋体" panose="02010600030101010101" pitchFamily="2" charset="-122"/>
-                          <a:cs typeface="Times New Roman" panose="02020603050405020304" pitchFamily="18" charset="0"/>
-                        </a:rPr>
-                        <a:t>;</a:t>
-                      </a:r>
-                      <a:r>
-                        <a:rPr lang="zh-CN" sz="1100" kern="100" dirty="0">
-                          <a:effectLst/>
-                          <a:latin typeface="Times New Roman" panose="02020603050405020304" pitchFamily="18" charset="0"/>
-                          <a:ea typeface="宋体" panose="02010600030101010101" pitchFamily="2" charset="-122"/>
-                          <a:cs typeface="Times New Roman" panose="02020603050405020304" pitchFamily="18" charset="0"/>
-                        </a:rPr>
-                        <a:t>我的世界</a:t>
-                      </a:r>
-                      <a:r>
-                        <a:rPr lang="en-US" sz="1100" kern="100" dirty="0">
-                          <a:effectLst/>
-                          <a:latin typeface="Times New Roman" panose="02020603050405020304" pitchFamily="18" charset="0"/>
-                          <a:ea typeface="宋体" panose="02010600030101010101" pitchFamily="2" charset="-122"/>
-                          <a:cs typeface="Times New Roman" panose="02020603050405020304" pitchFamily="18" charset="0"/>
-                        </a:rPr>
-                        <a:t>;</a:t>
-                      </a:r>
-                      <a:r>
-                        <a:rPr lang="zh-CN" sz="1100" kern="100" dirty="0">
-                          <a:effectLst/>
-                          <a:latin typeface="Times New Roman" panose="02020603050405020304" pitchFamily="18" charset="0"/>
-                          <a:ea typeface="宋体" panose="02010600030101010101" pitchFamily="2" charset="-122"/>
-                          <a:cs typeface="Times New Roman" panose="02020603050405020304" pitchFamily="18" charset="0"/>
-                        </a:rPr>
-                        <a:t>剑与远征</a:t>
-                      </a:r>
-                      <a:endParaRPr lang="zh-CN" sz="1100" kern="100" dirty="0">
+                      <a:endParaRPr lang="zh-CN" sz="1050" kern="100" dirty="0">
                         <a:effectLst/>
                         <a:latin typeface="Calibri" panose="020F0502020204030204" pitchFamily="34" charset="0"/>
                         <a:ea typeface="宋体" panose="02010600030101010101" pitchFamily="2" charset="-122"/>
@@ -4510,44 +3712,115 @@
                       </a:endParaRPr>
                     </a:p>
                   </a:txBody>
-                  <a:tcPr marL="68580" marR="68580" marT="0" marB="0">
-                    <a:lnL w="12700" cap="flat" cmpd="sng" algn="ctr">
-                      <a:solidFill>
-                        <a:srgbClr val="000000"/>
-                      </a:solidFill>
-                      <a:prstDash val="solid"/>
-                      <a:round/>
-                      <a:headEnd type="none" w="med" len="med"/>
-                      <a:tailEnd type="none" w="med" len="med"/>
-                    </a:lnL>
-                    <a:lnR w="12700" cap="flat" cmpd="sng" algn="ctr">
-                      <a:solidFill>
-                        <a:srgbClr val="000000"/>
-                      </a:solidFill>
-                      <a:prstDash val="solid"/>
-                      <a:round/>
-                      <a:headEnd type="none" w="med" len="med"/>
-                      <a:tailEnd type="none" w="med" len="med"/>
-                    </a:lnR>
-                    <a:lnT w="12700" cap="flat" cmpd="sng" algn="ctr">
-                      <a:solidFill>
-                        <a:srgbClr val="000000"/>
-                      </a:solidFill>
-                      <a:prstDash val="solid"/>
-                      <a:round/>
-                      <a:headEnd type="none" w="med" len="med"/>
-                      <a:tailEnd type="none" w="med" len="med"/>
-                    </a:lnT>
-                    <a:lnB w="12700" cap="flat" cmpd="sng" algn="ctr">
-                      <a:solidFill>
-                        <a:srgbClr val="000000"/>
-                      </a:solidFill>
-                      <a:prstDash val="solid"/>
-                      <a:round/>
-                      <a:headEnd type="none" w="med" len="med"/>
-                      <a:tailEnd type="none" w="med" len="med"/>
-                    </a:lnB>
-                  </a:tcPr>
+                  <a:tcPr marL="68580" marR="68580" marT="0" marB="0"/>
+                </a:tc>
+              </a:tr>
+              <a:tr h="0">
+                <a:tc>
+                  <a:txBody>
+                    <a:bodyPr/>
+                    <a:lstStyle/>
+                    <a:p>
+                      <a:pPr algn="just">
+                        <a:spcAft>
+                          <a:spcPts val="0"/>
+                        </a:spcAft>
+                      </a:pPr>
+                      <a:r>
+                        <a:rPr lang="en-US" sz="1050" kern="100">
+                          <a:effectLst/>
+                        </a:rPr>
+                        <a:t> </a:t>
+                      </a:r>
+                      <a:endParaRPr lang="zh-CN" sz="1050" kern="100">
+                        <a:effectLst/>
+                        <a:latin typeface="Calibri" panose="020F0502020204030204" pitchFamily="34" charset="0"/>
+                        <a:ea typeface="宋体" panose="02010600030101010101" pitchFamily="2" charset="-122"/>
+                        <a:cs typeface="Times New Roman" panose="02020603050405020304" pitchFamily="18" charset="0"/>
+                      </a:endParaRPr>
+                    </a:p>
+                  </a:txBody>
+                  <a:tcPr marL="68580" marR="68580" marT="0" marB="0"/>
+                </a:tc>
+                <a:tc>
+                  <a:txBody>
+                    <a:bodyPr/>
+                    <a:lstStyle/>
+                    <a:p>
+                      <a:pPr algn="just">
+                        <a:spcAft>
+                          <a:spcPts val="0"/>
+                        </a:spcAft>
+                      </a:pPr>
+                      <a:r>
+                        <a:rPr lang="en-US" sz="1050" kern="100">
+                          <a:effectLst/>
+                        </a:rPr>
+                        <a:t> </a:t>
+                      </a:r>
+                      <a:endParaRPr lang="zh-CN" sz="1050" kern="100">
+                        <a:effectLst/>
+                        <a:latin typeface="Calibri" panose="020F0502020204030204" pitchFamily="34" charset="0"/>
+                        <a:ea typeface="宋体" panose="02010600030101010101" pitchFamily="2" charset="-122"/>
+                        <a:cs typeface="Times New Roman" panose="02020603050405020304" pitchFamily="18" charset="0"/>
+                      </a:endParaRPr>
+                    </a:p>
+                  </a:txBody>
+                  <a:tcPr marL="68580" marR="68580" marT="0" marB="0"/>
+                </a:tc>
+              </a:tr>
+              <a:tr h="0">
+                <a:tc>
+                  <a:txBody>
+                    <a:bodyPr/>
+                    <a:lstStyle/>
+                    <a:p>
+                      <a:pPr algn="just">
+                        <a:spcAft>
+                          <a:spcPts val="0"/>
+                        </a:spcAft>
+                      </a:pPr>
+                      <a:r>
+                        <a:rPr lang="en-US" sz="1050" kern="100">
+                          <a:effectLst/>
+                        </a:rPr>
+                        <a:t> </a:t>
+                      </a:r>
+                      <a:endParaRPr lang="zh-CN" sz="1050" kern="100">
+                        <a:effectLst/>
+                        <a:latin typeface="Calibri" panose="020F0502020204030204" pitchFamily="34" charset="0"/>
+                        <a:ea typeface="宋体" panose="02010600030101010101" pitchFamily="2" charset="-122"/>
+                        <a:cs typeface="Times New Roman" panose="02020603050405020304" pitchFamily="18" charset="0"/>
+                      </a:endParaRPr>
+                    </a:p>
+                  </a:txBody>
+                  <a:tcPr marL="68580" marR="68580" marT="0" marB="0"/>
+                </a:tc>
+                <a:tc>
+                  <a:txBody>
+                    <a:bodyPr/>
+                    <a:lstStyle/>
+                    <a:p>
+                      <a:pPr algn="just">
+                        <a:spcAft>
+                          <a:spcPts val="0"/>
+                        </a:spcAft>
+                      </a:pPr>
+                      <a:r>
+                        <a:rPr lang="en-US" sz="1050" kern="100" dirty="0">
+                          <a:effectLst/>
+                        </a:rPr>
+                        <a:t> </a:t>
+                      </a:r>
+                      <a:endParaRPr lang="zh-CN" sz="1050" kern="100" dirty="0">
+                        <a:effectLst/>
+                        <a:latin typeface="Calibri" panose="020F0502020204030204" pitchFamily="34" charset="0"/>
+                        <a:ea typeface="宋体" panose="02010600030101010101" pitchFamily="2" charset="-122"/>
+                        <a:cs typeface="Times New Roman" panose="02020603050405020304" pitchFamily="18" charset="0"/>
+                      </a:endParaRPr>
+                    </a:p>
+                  </a:txBody>
+                  <a:tcPr marL="68580" marR="68580" marT="0" marB="0"/>
                 </a:tc>
               </a:tr>
             </a:tbl>
@@ -4558,6 +3831,295 @@
     <p:extLst>
       <p:ext uri="{BB962C8B-B14F-4D97-AF65-F5344CB8AC3E}">
         <p14:creationId xmlns:p14="http://schemas.microsoft.com/office/powerpoint/2010/main" val="3260186829"/>
+      </p:ext>
+    </p:extLst>
+  </p:cSld>
+  <p:clrMapOvr>
+    <a:masterClrMapping/>
+  </p:clrMapOvr>
+  <p:timing>
+    <p:tnLst>
+      <p:par>
+        <p:cTn id="1" dur="indefinite" restart="never" nodeType="tmRoot"/>
+      </p:par>
+    </p:tnLst>
+  </p:timing>
+</p:sld>
+</file>
+
+<file path=ppt/slides/slide2.xml><?xml version="1.0" encoding="utf-8"?>
+<p:sld xmlns:a="http://schemas.openxmlformats.org/drawingml/2006/main" xmlns:r="http://schemas.openxmlformats.org/officeDocument/2006/relationships" xmlns:p="http://schemas.openxmlformats.org/presentationml/2006/main">
+  <p:cSld>
+    <p:spTree>
+      <p:nvGrpSpPr>
+        <p:cNvPr id="1" name=""/>
+        <p:cNvGrpSpPr/>
+        <p:nvPr/>
+      </p:nvGrpSpPr>
+      <p:grpSpPr>
+        <a:xfrm>
+          <a:off x="0" y="0"/>
+          <a:ext cx="0" cy="0"/>
+          <a:chOff x="0" y="0"/>
+          <a:chExt cx="0" cy="0"/>
+        </a:xfrm>
+      </p:grpSpPr>
+      <p:sp>
+        <p:nvSpPr>
+          <p:cNvPr id="2" name="标题 1"/>
+          <p:cNvSpPr>
+            <a:spLocks noGrp="1"/>
+          </p:cNvSpPr>
+          <p:nvPr>
+            <p:ph type="ctrTitle"/>
+          </p:nvPr>
+        </p:nvSpPr>
+        <p:spPr>
+          <a:xfrm>
+            <a:off x="296561" y="160636"/>
+            <a:ext cx="2570207" cy="593125"/>
+          </a:xfrm>
+        </p:spPr>
+        <p:txBody>
+          <a:bodyPr>
+            <a:normAutofit/>
+          </a:bodyPr>
+          <a:lstStyle/>
+          <a:p>
+            <a:r>
+              <a:rPr lang="en-US" altLang="zh-CN" sz="3200" dirty="0" err="1" smtClean="0">
+                <a:latin typeface="Times New Roman" panose="02020603050405020304" pitchFamily="18" charset="0"/>
+                <a:cs typeface="Times New Roman" panose="02020603050405020304" pitchFamily="18" charset="0"/>
+              </a:rPr>
+              <a:t>DeepWalk</a:t>
+            </a:r>
+            <a:endParaRPr lang="zh-CN" altLang="en-US" sz="3200" dirty="0">
+              <a:latin typeface="Times New Roman" panose="02020603050405020304" pitchFamily="18" charset="0"/>
+              <a:cs typeface="Times New Roman" panose="02020603050405020304" pitchFamily="18" charset="0"/>
+            </a:endParaRPr>
+          </a:p>
+        </p:txBody>
+      </p:sp>
+      <p:pic>
+        <p:nvPicPr>
+          <p:cNvPr id="8" name="图片 7"/>
+          <p:cNvPicPr>
+            <a:picLocks noChangeAspect="1"/>
+          </p:cNvPicPr>
+          <p:nvPr/>
+        </p:nvPicPr>
+        <p:blipFill>
+          <a:blip r:embed="rId2"/>
+          <a:stretch>
+            <a:fillRect/>
+          </a:stretch>
+        </p:blipFill>
+        <p:spPr>
+          <a:xfrm>
+            <a:off x="445486" y="1434929"/>
+            <a:ext cx="6086475" cy="3543300"/>
+          </a:xfrm>
+          <a:prstGeom prst="rect">
+            <a:avLst/>
+          </a:prstGeom>
+        </p:spPr>
+      </p:pic>
+      <p:sp>
+        <p:nvSpPr>
+          <p:cNvPr id="11" name="文本框 10"/>
+          <p:cNvSpPr txBox="1"/>
+          <p:nvPr/>
+        </p:nvSpPr>
+        <p:spPr>
+          <a:xfrm>
+            <a:off x="6635578" y="1482816"/>
+            <a:ext cx="5189838" cy="3970318"/>
+          </a:xfrm>
+          <a:prstGeom prst="rect">
+            <a:avLst/>
+          </a:prstGeom>
+          <a:noFill/>
+        </p:spPr>
+        <p:txBody>
+          <a:bodyPr wrap="square" rtlCol="0">
+            <a:spAutoFit/>
+          </a:bodyPr>
+          <a:lstStyle/>
+          <a:p>
+            <a:r>
+              <a:rPr lang="en-US" altLang="zh-CN" dirty="0" err="1">
+                <a:latin typeface="Times New Roman" panose="02020603050405020304" pitchFamily="18" charset="0"/>
+                <a:cs typeface="Times New Roman" panose="02020603050405020304" pitchFamily="18" charset="0"/>
+              </a:rPr>
+              <a:t>d</a:t>
+            </a:r>
+            <a:r>
+              <a:rPr lang="en-US" altLang="zh-CN" dirty="0" err="1" smtClean="0">
+                <a:latin typeface="Times New Roman" panose="02020603050405020304" pitchFamily="18" charset="0"/>
+                <a:cs typeface="Times New Roman" panose="02020603050405020304" pitchFamily="18" charset="0"/>
+              </a:rPr>
+              <a:t>eepwalk</a:t>
+            </a:r>
+            <a:r>
+              <a:rPr lang="zh-CN" altLang="en-US" dirty="0" smtClean="0">
+                <a:latin typeface="Times New Roman" panose="02020603050405020304" pitchFamily="18" charset="0"/>
+                <a:cs typeface="Times New Roman" panose="02020603050405020304" pitchFamily="18" charset="0"/>
+              </a:rPr>
+              <a:t>思想类似</a:t>
+            </a:r>
+            <a:r>
+              <a:rPr lang="en-US" altLang="zh-CN" dirty="0" smtClean="0">
+                <a:latin typeface="Times New Roman" panose="02020603050405020304" pitchFamily="18" charset="0"/>
+                <a:cs typeface="Times New Roman" panose="02020603050405020304" pitchFamily="18" charset="0"/>
+              </a:rPr>
+              <a:t>word2vec</a:t>
+            </a:r>
+            <a:r>
+              <a:rPr lang="zh-CN" altLang="en-US" dirty="0" smtClean="0">
+                <a:latin typeface="Times New Roman" panose="02020603050405020304" pitchFamily="18" charset="0"/>
+                <a:cs typeface="Times New Roman" panose="02020603050405020304" pitchFamily="18" charset="0"/>
+              </a:rPr>
+              <a:t>，用图中节点与节点的共现关系学习节点的向量表示</a:t>
+            </a:r>
+            <a:endParaRPr lang="en-US" altLang="zh-CN" dirty="0" smtClean="0">
+              <a:latin typeface="Times New Roman" panose="02020603050405020304" pitchFamily="18" charset="0"/>
+              <a:cs typeface="Times New Roman" panose="02020603050405020304" pitchFamily="18" charset="0"/>
+            </a:endParaRPr>
+          </a:p>
+          <a:p>
+            <a:endParaRPr lang="en-US" altLang="zh-CN" dirty="0" smtClean="0">
+              <a:latin typeface="Times New Roman" panose="02020603050405020304" pitchFamily="18" charset="0"/>
+              <a:cs typeface="Times New Roman" panose="02020603050405020304" pitchFamily="18" charset="0"/>
+            </a:endParaRPr>
+          </a:p>
+          <a:p>
+            <a:r>
+              <a:rPr lang="zh-CN" altLang="en-US" dirty="0" smtClean="0">
+                <a:latin typeface="Times New Roman" panose="02020603050405020304" pitchFamily="18" charset="0"/>
+                <a:cs typeface="Times New Roman" panose="02020603050405020304" pitchFamily="18" charset="0"/>
+              </a:rPr>
+              <a:t>空间结构</a:t>
+            </a:r>
+            <a:r>
+              <a:rPr lang="en-US" altLang="zh-CN" dirty="0">
+                <a:latin typeface="Times New Roman" panose="02020603050405020304" pitchFamily="18" charset="0"/>
+                <a:cs typeface="Times New Roman" panose="02020603050405020304" pitchFamily="18" charset="0"/>
+              </a:rPr>
+              <a:t> </a:t>
+            </a:r>
+            <a:r>
+              <a:rPr lang="en-US" altLang="zh-CN" dirty="0" smtClean="0">
+                <a:latin typeface="Times New Roman" panose="02020603050405020304" pitchFamily="18" charset="0"/>
+                <a:cs typeface="Times New Roman" panose="02020603050405020304" pitchFamily="18" charset="0"/>
+              </a:rPr>
+              <a:t>=&gt; </a:t>
+            </a:r>
+            <a:r>
+              <a:rPr lang="zh-CN" altLang="en-US" dirty="0" smtClean="0">
+                <a:latin typeface="Times New Roman" panose="02020603050405020304" pitchFamily="18" charset="0"/>
+                <a:cs typeface="Times New Roman" panose="02020603050405020304" pitchFamily="18" charset="0"/>
+              </a:rPr>
+              <a:t>序列结构</a:t>
+            </a:r>
+            <a:endParaRPr lang="en-US" altLang="zh-CN" dirty="0" smtClean="0">
+              <a:latin typeface="Times New Roman" panose="02020603050405020304" pitchFamily="18" charset="0"/>
+              <a:cs typeface="Times New Roman" panose="02020603050405020304" pitchFamily="18" charset="0"/>
+            </a:endParaRPr>
+          </a:p>
+          <a:p>
+            <a:r>
+              <a:rPr lang="zh-CN" altLang="en-US" dirty="0">
+                <a:latin typeface="Times New Roman" panose="02020603050405020304" pitchFamily="18" charset="0"/>
+                <a:cs typeface="Times New Roman" panose="02020603050405020304" pitchFamily="18" charset="0"/>
+              </a:rPr>
+              <a:t>数据</a:t>
+            </a:r>
+            <a:r>
+              <a:rPr lang="zh-CN" altLang="en-US" dirty="0" smtClean="0">
+                <a:latin typeface="Times New Roman" panose="02020603050405020304" pitchFamily="18" charset="0"/>
+                <a:cs typeface="Times New Roman" panose="02020603050405020304" pitchFamily="18" charset="0"/>
+              </a:rPr>
+              <a:t>：</a:t>
+            </a:r>
+            <a:r>
+              <a:rPr lang="en-US" altLang="zh-CN" dirty="0" err="1" smtClean="0">
+                <a:latin typeface="Times New Roman" panose="02020603050405020304" pitchFamily="18" charset="0"/>
+                <a:cs typeface="Times New Roman" panose="02020603050405020304" pitchFamily="18" charset="0"/>
+              </a:rPr>
+              <a:t>deepwalk</a:t>
+            </a:r>
+            <a:r>
+              <a:rPr lang="zh-CN" altLang="en-US" dirty="0" smtClean="0">
+                <a:latin typeface="Times New Roman" panose="02020603050405020304" pitchFamily="18" charset="0"/>
+                <a:cs typeface="Times New Roman" panose="02020603050405020304" pitchFamily="18" charset="0"/>
+              </a:rPr>
+              <a:t>使用随机游走的方式在图中进行采样，是一种可以重复访问节点的深度优先遍历算法，在给定当前节点的情况下，从该节点的邻居节点中随机采样作为下一个节点，重复此过程，直到序列长度满足预设的条件</a:t>
+            </a:r>
+            <a:endParaRPr lang="en-US" altLang="zh-CN" dirty="0" smtClean="0">
+              <a:latin typeface="Times New Roman" panose="02020603050405020304" pitchFamily="18" charset="0"/>
+              <a:cs typeface="Times New Roman" panose="02020603050405020304" pitchFamily="18" charset="0"/>
+            </a:endParaRPr>
+          </a:p>
+          <a:p>
+            <a:endParaRPr lang="en-US" altLang="zh-CN" dirty="0" smtClean="0">
+              <a:latin typeface="Times New Roman" panose="02020603050405020304" pitchFamily="18" charset="0"/>
+              <a:cs typeface="Times New Roman" panose="02020603050405020304" pitchFamily="18" charset="0"/>
+            </a:endParaRPr>
+          </a:p>
+          <a:p>
+            <a:r>
+              <a:rPr lang="zh-CN" altLang="en-US" dirty="0" smtClean="0">
+                <a:latin typeface="Times New Roman" panose="02020603050405020304" pitchFamily="18" charset="0"/>
+                <a:cs typeface="Times New Roman" panose="02020603050405020304" pitchFamily="18" charset="0"/>
+              </a:rPr>
+              <a:t>模型：采样结束后，得到节点的序列结构数据，利用</a:t>
+            </a:r>
+            <a:r>
+              <a:rPr lang="en-US" altLang="zh-CN" dirty="0" smtClean="0">
+                <a:latin typeface="Times New Roman" panose="02020603050405020304" pitchFamily="18" charset="0"/>
+                <a:cs typeface="Times New Roman" panose="02020603050405020304" pitchFamily="18" charset="0"/>
+              </a:rPr>
+              <a:t>word2vec</a:t>
+            </a:r>
+            <a:r>
+              <a:rPr lang="zh-CN" altLang="en-US" dirty="0" smtClean="0">
+                <a:latin typeface="Times New Roman" panose="02020603050405020304" pitchFamily="18" charset="0"/>
+                <a:cs typeface="Times New Roman" panose="02020603050405020304" pitchFamily="18" charset="0"/>
+              </a:rPr>
+              <a:t>的思想训练模型，并通过</a:t>
+            </a:r>
+            <a:r>
+              <a:rPr lang="en-US" altLang="zh-CN" dirty="0" smtClean="0">
+                <a:latin typeface="Times New Roman" panose="02020603050405020304" pitchFamily="18" charset="0"/>
+                <a:cs typeface="Times New Roman" panose="02020603050405020304" pitchFamily="18" charset="0"/>
+              </a:rPr>
+              <a:t>Skip-gram</a:t>
+            </a:r>
+            <a:r>
+              <a:rPr lang="zh-CN" altLang="en-US" dirty="0" smtClean="0">
+                <a:latin typeface="Times New Roman" panose="02020603050405020304" pitchFamily="18" charset="0"/>
+                <a:cs typeface="Times New Roman" panose="02020603050405020304" pitchFamily="18" charset="0"/>
+              </a:rPr>
+              <a:t>结合</a:t>
+            </a:r>
+            <a:r>
+              <a:rPr lang="zh-CN" altLang="en-US" dirty="0" smtClean="0">
+                <a:latin typeface="Times New Roman" panose="02020603050405020304" pitchFamily="18" charset="0"/>
+                <a:cs typeface="Times New Roman" panose="02020603050405020304" pitchFamily="18" charset="0"/>
+              </a:rPr>
+              <a:t>负采样的方式优化模型，进而学习图中节点的向量表示</a:t>
+            </a:r>
+            <a:endParaRPr lang="en-US" altLang="zh-CN" dirty="0" smtClean="0">
+              <a:latin typeface="Times New Roman" panose="02020603050405020304" pitchFamily="18" charset="0"/>
+              <a:cs typeface="Times New Roman" panose="02020603050405020304" pitchFamily="18" charset="0"/>
+            </a:endParaRPr>
+          </a:p>
+        </p:txBody>
+      </p:sp>
+    </p:spTree>
+    <p:extLst>
+      <p:ext uri="{BB962C8B-B14F-4D97-AF65-F5344CB8AC3E}">
+        <p14:creationId xmlns:p14="http://schemas.microsoft.com/office/powerpoint/2010/main" val="3754195733"/>
       </p:ext>
     </p:extLst>
   </p:cSld>
@@ -4603,295 +4165,6 @@
         </p:nvSpPr>
         <p:spPr>
           <a:xfrm>
-            <a:off x="296561" y="160636"/>
-            <a:ext cx="2570207" cy="593125"/>
-          </a:xfrm>
-        </p:spPr>
-        <p:txBody>
-          <a:bodyPr>
-            <a:normAutofit/>
-          </a:bodyPr>
-          <a:lstStyle/>
-          <a:p>
-            <a:r>
-              <a:rPr lang="en-US" altLang="zh-CN" sz="3200" dirty="0" err="1" smtClean="0">
-                <a:latin typeface="Times New Roman" panose="02020603050405020304" pitchFamily="18" charset="0"/>
-                <a:cs typeface="Times New Roman" panose="02020603050405020304" pitchFamily="18" charset="0"/>
-              </a:rPr>
-              <a:t>DeepWalk</a:t>
-            </a:r>
-            <a:endParaRPr lang="zh-CN" altLang="en-US" sz="3200" dirty="0">
-              <a:latin typeface="Times New Roman" panose="02020603050405020304" pitchFamily="18" charset="0"/>
-              <a:cs typeface="Times New Roman" panose="02020603050405020304" pitchFamily="18" charset="0"/>
-            </a:endParaRPr>
-          </a:p>
-        </p:txBody>
-      </p:sp>
-      <p:pic>
-        <p:nvPicPr>
-          <p:cNvPr id="8" name="图片 7"/>
-          <p:cNvPicPr>
-            <a:picLocks noChangeAspect="1"/>
-          </p:cNvPicPr>
-          <p:nvPr/>
-        </p:nvPicPr>
-        <p:blipFill>
-          <a:blip r:embed="rId2"/>
-          <a:stretch>
-            <a:fillRect/>
-          </a:stretch>
-        </p:blipFill>
-        <p:spPr>
-          <a:xfrm>
-            <a:off x="296561" y="1482816"/>
-            <a:ext cx="6086475" cy="3543300"/>
-          </a:xfrm>
-          <a:prstGeom prst="rect">
-            <a:avLst/>
-          </a:prstGeom>
-        </p:spPr>
-      </p:pic>
-      <p:sp>
-        <p:nvSpPr>
-          <p:cNvPr id="11" name="文本框 10"/>
-          <p:cNvSpPr txBox="1"/>
-          <p:nvPr/>
-        </p:nvSpPr>
-        <p:spPr>
-          <a:xfrm>
-            <a:off x="6635578" y="1482816"/>
-            <a:ext cx="5189838" cy="3970318"/>
-          </a:xfrm>
-          <a:prstGeom prst="rect">
-            <a:avLst/>
-          </a:prstGeom>
-          <a:noFill/>
-        </p:spPr>
-        <p:txBody>
-          <a:bodyPr wrap="square" rtlCol="0">
-            <a:spAutoFit/>
-          </a:bodyPr>
-          <a:lstStyle/>
-          <a:p>
-            <a:r>
-              <a:rPr lang="en-US" altLang="zh-CN" dirty="0" err="1">
-                <a:latin typeface="Times New Roman" panose="02020603050405020304" pitchFamily="18" charset="0"/>
-                <a:cs typeface="Times New Roman" panose="02020603050405020304" pitchFamily="18" charset="0"/>
-              </a:rPr>
-              <a:t>d</a:t>
-            </a:r>
-            <a:r>
-              <a:rPr lang="en-US" altLang="zh-CN" dirty="0" err="1" smtClean="0">
-                <a:latin typeface="Times New Roman" panose="02020603050405020304" pitchFamily="18" charset="0"/>
-                <a:cs typeface="Times New Roman" panose="02020603050405020304" pitchFamily="18" charset="0"/>
-              </a:rPr>
-              <a:t>eepwalk</a:t>
-            </a:r>
-            <a:r>
-              <a:rPr lang="zh-CN" altLang="en-US" dirty="0" smtClean="0">
-                <a:latin typeface="Times New Roman" panose="02020603050405020304" pitchFamily="18" charset="0"/>
-                <a:cs typeface="Times New Roman" panose="02020603050405020304" pitchFamily="18" charset="0"/>
-              </a:rPr>
-              <a:t>思想类似</a:t>
-            </a:r>
-            <a:r>
-              <a:rPr lang="en-US" altLang="zh-CN" dirty="0" smtClean="0">
-                <a:latin typeface="Times New Roman" panose="02020603050405020304" pitchFamily="18" charset="0"/>
-                <a:cs typeface="Times New Roman" panose="02020603050405020304" pitchFamily="18" charset="0"/>
-              </a:rPr>
-              <a:t>word2vec</a:t>
-            </a:r>
-            <a:r>
-              <a:rPr lang="zh-CN" altLang="en-US" dirty="0" smtClean="0">
-                <a:latin typeface="Times New Roman" panose="02020603050405020304" pitchFamily="18" charset="0"/>
-                <a:cs typeface="Times New Roman" panose="02020603050405020304" pitchFamily="18" charset="0"/>
-              </a:rPr>
-              <a:t>，用图中节点与节点的共现关系学习节点的向量表示</a:t>
-            </a:r>
-            <a:endParaRPr lang="en-US" altLang="zh-CN" dirty="0" smtClean="0">
-              <a:latin typeface="Times New Roman" panose="02020603050405020304" pitchFamily="18" charset="0"/>
-              <a:cs typeface="Times New Roman" panose="02020603050405020304" pitchFamily="18" charset="0"/>
-            </a:endParaRPr>
-          </a:p>
-          <a:p>
-            <a:endParaRPr lang="en-US" altLang="zh-CN" dirty="0" smtClean="0">
-              <a:latin typeface="Times New Roman" panose="02020603050405020304" pitchFamily="18" charset="0"/>
-              <a:cs typeface="Times New Roman" panose="02020603050405020304" pitchFamily="18" charset="0"/>
-            </a:endParaRPr>
-          </a:p>
-          <a:p>
-            <a:r>
-              <a:rPr lang="zh-CN" altLang="en-US" dirty="0" smtClean="0">
-                <a:latin typeface="Times New Roman" panose="02020603050405020304" pitchFamily="18" charset="0"/>
-                <a:cs typeface="Times New Roman" panose="02020603050405020304" pitchFamily="18" charset="0"/>
-              </a:rPr>
-              <a:t>空间结构</a:t>
-            </a:r>
-            <a:r>
-              <a:rPr lang="en-US" altLang="zh-CN" dirty="0">
-                <a:latin typeface="Times New Roman" panose="02020603050405020304" pitchFamily="18" charset="0"/>
-                <a:cs typeface="Times New Roman" panose="02020603050405020304" pitchFamily="18" charset="0"/>
-              </a:rPr>
-              <a:t> </a:t>
-            </a:r>
-            <a:r>
-              <a:rPr lang="en-US" altLang="zh-CN" dirty="0" smtClean="0">
-                <a:latin typeface="Times New Roman" panose="02020603050405020304" pitchFamily="18" charset="0"/>
-                <a:cs typeface="Times New Roman" panose="02020603050405020304" pitchFamily="18" charset="0"/>
-              </a:rPr>
-              <a:t>=&gt; </a:t>
-            </a:r>
-            <a:r>
-              <a:rPr lang="zh-CN" altLang="en-US" dirty="0" smtClean="0">
-                <a:latin typeface="Times New Roman" panose="02020603050405020304" pitchFamily="18" charset="0"/>
-                <a:cs typeface="Times New Roman" panose="02020603050405020304" pitchFamily="18" charset="0"/>
-              </a:rPr>
-              <a:t>序列结构</a:t>
-            </a:r>
-            <a:endParaRPr lang="en-US" altLang="zh-CN" dirty="0" smtClean="0">
-              <a:latin typeface="Times New Roman" panose="02020603050405020304" pitchFamily="18" charset="0"/>
-              <a:cs typeface="Times New Roman" panose="02020603050405020304" pitchFamily="18" charset="0"/>
-            </a:endParaRPr>
-          </a:p>
-          <a:p>
-            <a:r>
-              <a:rPr lang="zh-CN" altLang="en-US" b="1" dirty="0">
-                <a:latin typeface="Times New Roman" panose="02020603050405020304" pitchFamily="18" charset="0"/>
-                <a:cs typeface="Times New Roman" panose="02020603050405020304" pitchFamily="18" charset="0"/>
-              </a:rPr>
-              <a:t>数据</a:t>
-            </a:r>
-            <a:r>
-              <a:rPr lang="zh-CN" altLang="en-US" dirty="0" smtClean="0">
-                <a:latin typeface="Times New Roman" panose="02020603050405020304" pitchFamily="18" charset="0"/>
-                <a:cs typeface="Times New Roman" panose="02020603050405020304" pitchFamily="18" charset="0"/>
-              </a:rPr>
-              <a:t>：</a:t>
-            </a:r>
-            <a:r>
-              <a:rPr lang="en-US" altLang="zh-CN" dirty="0" err="1" smtClean="0">
-                <a:latin typeface="Times New Roman" panose="02020603050405020304" pitchFamily="18" charset="0"/>
-                <a:cs typeface="Times New Roman" panose="02020603050405020304" pitchFamily="18" charset="0"/>
-              </a:rPr>
-              <a:t>deepwalk</a:t>
-            </a:r>
-            <a:r>
-              <a:rPr lang="zh-CN" altLang="en-US" dirty="0" smtClean="0">
-                <a:latin typeface="Times New Roman" panose="02020603050405020304" pitchFamily="18" charset="0"/>
-                <a:cs typeface="Times New Roman" panose="02020603050405020304" pitchFamily="18" charset="0"/>
-              </a:rPr>
-              <a:t>使用随机游走的方式在图中进行采样，是一种可以重复访问节点的深度优先遍历算法，在给定当前节点的情况下，从该节点的邻居节点中随机采样作为下一个节点，重复此过程，直到序列长度满足预设的条件</a:t>
-            </a:r>
-            <a:endParaRPr lang="en-US" altLang="zh-CN" dirty="0" smtClean="0">
-              <a:latin typeface="Times New Roman" panose="02020603050405020304" pitchFamily="18" charset="0"/>
-              <a:cs typeface="Times New Roman" panose="02020603050405020304" pitchFamily="18" charset="0"/>
-            </a:endParaRPr>
-          </a:p>
-          <a:p>
-            <a:endParaRPr lang="en-US" altLang="zh-CN" dirty="0" smtClean="0">
-              <a:latin typeface="Times New Roman" panose="02020603050405020304" pitchFamily="18" charset="0"/>
-              <a:cs typeface="Times New Roman" panose="02020603050405020304" pitchFamily="18" charset="0"/>
-            </a:endParaRPr>
-          </a:p>
-          <a:p>
-            <a:r>
-              <a:rPr lang="zh-CN" altLang="en-US" b="1" dirty="0" smtClean="0">
-                <a:latin typeface="Times New Roman" panose="02020603050405020304" pitchFamily="18" charset="0"/>
-                <a:cs typeface="Times New Roman" panose="02020603050405020304" pitchFamily="18" charset="0"/>
-              </a:rPr>
-              <a:t>模型</a:t>
-            </a:r>
-            <a:r>
-              <a:rPr lang="zh-CN" altLang="en-US" dirty="0" smtClean="0">
-                <a:latin typeface="Times New Roman" panose="02020603050405020304" pitchFamily="18" charset="0"/>
-                <a:cs typeface="Times New Roman" panose="02020603050405020304" pitchFamily="18" charset="0"/>
-              </a:rPr>
-              <a:t>：采样结束后，得到节点的序列结构数据，利用</a:t>
-            </a:r>
-            <a:r>
-              <a:rPr lang="en-US" altLang="zh-CN" dirty="0" smtClean="0">
-                <a:latin typeface="Times New Roman" panose="02020603050405020304" pitchFamily="18" charset="0"/>
-                <a:cs typeface="Times New Roman" panose="02020603050405020304" pitchFamily="18" charset="0"/>
-              </a:rPr>
-              <a:t>word2vec</a:t>
-            </a:r>
-            <a:r>
-              <a:rPr lang="zh-CN" altLang="en-US" dirty="0" smtClean="0">
-                <a:latin typeface="Times New Roman" panose="02020603050405020304" pitchFamily="18" charset="0"/>
-                <a:cs typeface="Times New Roman" panose="02020603050405020304" pitchFamily="18" charset="0"/>
-              </a:rPr>
-              <a:t>的思想训练模型，并通过</a:t>
-            </a:r>
-            <a:r>
-              <a:rPr lang="en-US" altLang="zh-CN" dirty="0" smtClean="0">
-                <a:latin typeface="Times New Roman" panose="02020603050405020304" pitchFamily="18" charset="0"/>
-                <a:cs typeface="Times New Roman" panose="02020603050405020304" pitchFamily="18" charset="0"/>
-              </a:rPr>
-              <a:t>Skip-gram</a:t>
-            </a:r>
-            <a:r>
-              <a:rPr lang="zh-CN" altLang="en-US" dirty="0" smtClean="0">
-                <a:latin typeface="Times New Roman" panose="02020603050405020304" pitchFamily="18" charset="0"/>
-                <a:cs typeface="Times New Roman" panose="02020603050405020304" pitchFamily="18" charset="0"/>
-              </a:rPr>
-              <a:t>结合负采样的方式优化模型，进而学习图中节点的向量表示</a:t>
-            </a:r>
-            <a:endParaRPr lang="en-US" altLang="zh-CN" dirty="0" smtClean="0">
-              <a:latin typeface="Times New Roman" panose="02020603050405020304" pitchFamily="18" charset="0"/>
-              <a:cs typeface="Times New Roman" panose="02020603050405020304" pitchFamily="18" charset="0"/>
-            </a:endParaRPr>
-          </a:p>
-        </p:txBody>
-      </p:sp>
-    </p:spTree>
-    <p:extLst>
-      <p:ext uri="{BB962C8B-B14F-4D97-AF65-F5344CB8AC3E}">
-        <p14:creationId xmlns:p14="http://schemas.microsoft.com/office/powerpoint/2010/main" val="3754195733"/>
-      </p:ext>
-    </p:extLst>
-  </p:cSld>
-  <p:clrMapOvr>
-    <a:masterClrMapping/>
-  </p:clrMapOvr>
-  <p:timing>
-    <p:tnLst>
-      <p:par>
-        <p:cTn id="1" dur="indefinite" restart="never" nodeType="tmRoot"/>
-      </p:par>
-    </p:tnLst>
-  </p:timing>
-</p:sld>
-</file>
-
-<file path=ppt/slides/slide4.xml><?xml version="1.0" encoding="utf-8"?>
-<p:sld xmlns:a="http://schemas.openxmlformats.org/drawingml/2006/main" xmlns:r="http://schemas.openxmlformats.org/officeDocument/2006/relationships" xmlns:p="http://schemas.openxmlformats.org/presentationml/2006/main">
-  <p:cSld>
-    <p:spTree>
-      <p:nvGrpSpPr>
-        <p:cNvPr id="1" name=""/>
-        <p:cNvGrpSpPr/>
-        <p:nvPr/>
-      </p:nvGrpSpPr>
-      <p:grpSpPr>
-        <a:xfrm>
-          <a:off x="0" y="0"/>
-          <a:ext cx="0" cy="0"/>
-          <a:chOff x="0" y="0"/>
-          <a:chExt cx="0" cy="0"/>
-        </a:xfrm>
-      </p:grpSpPr>
-      <p:sp>
-        <p:nvSpPr>
-          <p:cNvPr id="2" name="标题 1"/>
-          <p:cNvSpPr>
-            <a:spLocks noGrp="1"/>
-          </p:cNvSpPr>
-          <p:nvPr>
-            <p:ph type="ctrTitle"/>
-          </p:nvPr>
-        </p:nvSpPr>
-        <p:spPr>
-          <a:xfrm>
             <a:off x="296562" y="160636"/>
             <a:ext cx="1383958" cy="593125"/>
           </a:xfrm>
@@ -4939,18 +4212,11 @@
           <a:lstStyle/>
           <a:p>
             <a:r>
-              <a:rPr lang="zh-CN" altLang="en-US" b="1" dirty="0" smtClean="0">
-                <a:latin typeface="Times New Roman" panose="02020603050405020304" pitchFamily="18" charset="0"/>
-                <a:cs typeface="Times New Roman" panose="02020603050405020304" pitchFamily="18" charset="0"/>
-              </a:rPr>
-              <a:t>一阶相似度</a:t>
-            </a:r>
-            <a:r>
               <a:rPr lang="zh-CN" altLang="en-US" dirty="0" smtClean="0">
                 <a:latin typeface="Times New Roman" panose="02020603050405020304" pitchFamily="18" charset="0"/>
                 <a:cs typeface="Times New Roman" panose="02020603050405020304" pitchFamily="18" charset="0"/>
               </a:rPr>
-              <a:t>用于描述图中的局部相似度</a:t>
+              <a:t>一阶相似度用于描述图中的局部相似度</a:t>
             </a:r>
             <a:endParaRPr lang="en-US" altLang="zh-CN" dirty="0" smtClean="0">
               <a:latin typeface="Times New Roman" panose="02020603050405020304" pitchFamily="18" charset="0"/>
@@ -4996,8 +4262,8 @@
           </a:prstGeom>
         </p:spPr>
       </p:pic>
-      <mc:AlternateContent xmlns:mc="http://schemas.openxmlformats.org/markup-compatibility/2006" xmlns:a14="http://schemas.microsoft.com/office/drawing/2010/main">
-        <mc:Choice Requires="a14">
+      <mc:AlternateContent xmlns:mc="http://schemas.openxmlformats.org/markup-compatibility/2006">
+        <mc:Choice xmlns:a14="http://schemas.microsoft.com/office/drawing/2010/main" Requires="a14">
           <p:sp>
             <p:nvSpPr>
               <p:cNvPr id="5" name="矩形 4"/>
@@ -5019,7 +4285,6 @@
               </a:bodyPr>
               <a:lstStyle/>
               <a:p>
-                <a:pPr/>
                 <a14:m>
                   <m:oMathPara xmlns:m="http://schemas.openxmlformats.org/officeDocument/2006/math">
                     <m:oMathParaPr>
@@ -5029,7 +4294,7 @@
                       <m:sSub>
                         <m:sSubPr>
                           <m:ctrlPr>
-                            <a:rPr lang="zh-CN" altLang="en-US" i="1" smtClean="0">
+                            <a:rPr lang="zh-CN" altLang="en-US" smtClean="0">
                               <a:latin typeface="Cambria Math" panose="02040503050406030204" pitchFamily="18" charset="0"/>
                             </a:rPr>
                           </m:ctrlPr>
@@ -5059,7 +4324,7 @@
             </p:txBody>
           </p:sp>
         </mc:Choice>
-        <mc:Fallback xmlns="">
+        <mc:Fallback>
           <p:sp>
             <p:nvSpPr>
               <p:cNvPr id="5" name="矩形 4"/>
@@ -5098,8 +4363,8 @@
           </p:sp>
         </mc:Fallback>
       </mc:AlternateContent>
-      <mc:AlternateContent xmlns:mc="http://schemas.openxmlformats.org/markup-compatibility/2006" xmlns:a14="http://schemas.microsoft.com/office/drawing/2010/main">
-        <mc:Choice Requires="a14">
+      <mc:AlternateContent xmlns:mc="http://schemas.openxmlformats.org/markup-compatibility/2006">
+        <mc:Choice xmlns:a14="http://schemas.microsoft.com/office/drawing/2010/main" Requires="a14">
           <p:sp>
             <p:nvSpPr>
               <p:cNvPr id="6" name="矩形 5"/>
@@ -5121,7 +4386,6 @@
               </a:bodyPr>
               <a:lstStyle/>
               <a:p>
-                <a:pPr/>
                 <a14:m>
                   <m:oMathPara xmlns:m="http://schemas.openxmlformats.org/officeDocument/2006/math">
                     <m:oMathParaPr>
@@ -5131,7 +4395,7 @@
                       <m:sSub>
                         <m:sSubPr>
                           <m:ctrlPr>
-                            <a:rPr lang="zh-CN" altLang="en-US" i="1" smtClean="0">
+                            <a:rPr lang="zh-CN" altLang="en-US" smtClean="0">
                               <a:latin typeface="Cambria Math" panose="02040503050406030204" pitchFamily="18" charset="0"/>
                             </a:rPr>
                           </m:ctrlPr>
@@ -5161,7 +4425,7 @@
             </p:txBody>
           </p:sp>
         </mc:Choice>
-        <mc:Fallback xmlns="">
+        <mc:Fallback>
           <p:sp>
             <p:nvSpPr>
               <p:cNvPr id="6" name="矩形 5"/>
@@ -5200,8 +4464,8 @@
           </p:sp>
         </mc:Fallback>
       </mc:AlternateContent>
-      <mc:AlternateContent xmlns:mc="http://schemas.openxmlformats.org/markup-compatibility/2006" xmlns:a14="http://schemas.microsoft.com/office/drawing/2010/main">
-        <mc:Choice Requires="a14">
+      <mc:AlternateContent xmlns:mc="http://schemas.openxmlformats.org/markup-compatibility/2006">
+        <mc:Choice xmlns:a14="http://schemas.microsoft.com/office/drawing/2010/main" Requires="a14">
           <p:sp>
             <p:nvSpPr>
               <p:cNvPr id="7" name="矩形 6"/>
@@ -5223,7 +4487,6 @@
               </a:bodyPr>
               <a:lstStyle/>
               <a:p>
-                <a:pPr/>
                 <a14:m>
                   <m:oMathPara xmlns:m="http://schemas.openxmlformats.org/officeDocument/2006/math">
                     <m:oMathParaPr>
@@ -5233,7 +4496,7 @@
                       <m:sSub>
                         <m:sSubPr>
                           <m:ctrlPr>
-                            <a:rPr lang="zh-CN" altLang="en-US" i="1" smtClean="0">
+                            <a:rPr lang="zh-CN" altLang="en-US" smtClean="0">
                               <a:latin typeface="Cambria Math" panose="02040503050406030204" pitchFamily="18" charset="0"/>
                             </a:rPr>
                           </m:ctrlPr>
@@ -5263,7 +4526,7 @@
             </p:txBody>
           </p:sp>
         </mc:Choice>
-        <mc:Fallback xmlns="">
+        <mc:Fallback>
           <p:sp>
             <p:nvSpPr>
               <p:cNvPr id="7" name="矩形 6"/>
@@ -5583,7 +4846,7 @@
 </p:sld>
 </file>
 
-<file path=ppt/slides/slide5.xml><?xml version="1.0" encoding="utf-8"?>
+<file path=ppt/slides/slide4.xml><?xml version="1.0" encoding="utf-8"?>
 <p:sld xmlns:a="http://schemas.openxmlformats.org/drawingml/2006/main" xmlns:r="http://schemas.openxmlformats.org/officeDocument/2006/relationships" xmlns:p="http://schemas.openxmlformats.org/presentationml/2006/main">
   <p:cSld>
     <p:spTree>
@@ -5647,7 +4910,7 @@
         <p:spPr>
           <a:xfrm>
             <a:off x="296562" y="987516"/>
-            <a:ext cx="5748638" cy="923330"/>
+            <a:ext cx="5748638" cy="1200329"/>
           </a:xfrm>
           <a:prstGeom prst="rect">
             <a:avLst/>
@@ -5661,31 +4924,52 @@
           <a:lstStyle/>
           <a:p>
             <a:r>
-              <a:rPr lang="zh-CN" altLang="en-US" b="1" dirty="0">
+              <a:rPr lang="zh-CN" altLang="en-US" dirty="0">
                 <a:latin typeface="Times New Roman" panose="02020603050405020304" pitchFamily="18" charset="0"/>
                 <a:cs typeface="Times New Roman" panose="02020603050405020304" pitchFamily="18" charset="0"/>
               </a:rPr>
               <a:t>二</a:t>
             </a:r>
             <a:r>
-              <a:rPr lang="zh-CN" altLang="en-US" b="1" dirty="0" smtClean="0">
-                <a:latin typeface="Times New Roman" panose="02020603050405020304" pitchFamily="18" charset="0"/>
-                <a:cs typeface="Times New Roman" panose="02020603050405020304" pitchFamily="18" charset="0"/>
-              </a:rPr>
-              <a:t>阶相似度</a:t>
-            </a:r>
-            <a:r>
               <a:rPr lang="zh-CN" altLang="en-US" dirty="0" smtClean="0">
                 <a:latin typeface="Times New Roman" panose="02020603050405020304" pitchFamily="18" charset="0"/>
                 <a:cs typeface="Times New Roman" panose="02020603050405020304" pitchFamily="18" charset="0"/>
               </a:rPr>
-              <a:t>用于描述图中的有相同 </a:t>
+              <a:t>阶相似度用于描述图中的有相同</a:t>
             </a:r>
             <a:r>
               <a:rPr lang="en-US" altLang="zh-CN" dirty="0" smtClean="0">
                 <a:latin typeface="Times New Roman" panose="02020603050405020304" pitchFamily="18" charset="0"/>
                 <a:cs typeface="Times New Roman" panose="02020603050405020304" pitchFamily="18" charset="0"/>
               </a:rPr>
+              <a:t>context</a:t>
+            </a:r>
+            <a:r>
+              <a:rPr lang="zh-CN" altLang="en-US" dirty="0" smtClean="0">
+                <a:latin typeface="Times New Roman" panose="02020603050405020304" pitchFamily="18" charset="0"/>
+                <a:cs typeface="Times New Roman" panose="02020603050405020304" pitchFamily="18" charset="0"/>
+              </a:rPr>
+              <a:t>节点的相似度，每个节点有两个</a:t>
+            </a:r>
+            <a:r>
+              <a:rPr lang="en-US" altLang="zh-CN" dirty="0" smtClean="0">
+                <a:latin typeface="Times New Roman" panose="02020603050405020304" pitchFamily="18" charset="0"/>
+                <a:cs typeface="Times New Roman" panose="02020603050405020304" pitchFamily="18" charset="0"/>
+              </a:rPr>
+              <a:t>embedding</a:t>
+            </a:r>
+            <a:r>
+              <a:rPr lang="zh-CN" altLang="en-US" dirty="0" smtClean="0">
+                <a:latin typeface="Times New Roman" panose="02020603050405020304" pitchFamily="18" charset="0"/>
+                <a:cs typeface="Times New Roman" panose="02020603050405020304" pitchFamily="18" charset="0"/>
+              </a:rPr>
+              <a:t>，一个是节点本身的向量表示       ，另一个是作为 </a:t>
+            </a:r>
+            <a:r>
+              <a:rPr lang="en-US" altLang="zh-CN" dirty="0" smtClean="0">
+                <a:latin typeface="Times New Roman" panose="02020603050405020304" pitchFamily="18" charset="0"/>
+                <a:cs typeface="Times New Roman" panose="02020603050405020304" pitchFamily="18" charset="0"/>
+              </a:rPr>
               <a:t>context </a:t>
             </a:r>
             <a:r>
@@ -5693,36 +4977,14 @@
                 <a:latin typeface="Times New Roman" panose="02020603050405020304" pitchFamily="18" charset="0"/>
                 <a:cs typeface="Times New Roman" panose="02020603050405020304" pitchFamily="18" charset="0"/>
               </a:rPr>
-              <a:t>节点的相似度，每个节点有两个</a:t>
-            </a:r>
-            <a:r>
-              <a:rPr lang="en-US" altLang="zh-CN" dirty="0" smtClean="0">
-                <a:latin typeface="Times New Roman" panose="02020603050405020304" pitchFamily="18" charset="0"/>
-                <a:cs typeface="Times New Roman" panose="02020603050405020304" pitchFamily="18" charset="0"/>
-              </a:rPr>
-              <a:t>embedding</a:t>
-            </a:r>
-            <a:r>
-              <a:rPr lang="zh-CN" altLang="en-US" dirty="0" smtClean="0">
-                <a:latin typeface="Times New Roman" panose="02020603050405020304" pitchFamily="18" charset="0"/>
-                <a:cs typeface="Times New Roman" panose="02020603050405020304" pitchFamily="18" charset="0"/>
-              </a:rPr>
-              <a:t>，一个是节点本身的向量表示     ，另一个是作为 </a:t>
-            </a:r>
-            <a:r>
-              <a:rPr lang="en-US" altLang="zh-CN" dirty="0" smtClean="0">
-                <a:latin typeface="Times New Roman" panose="02020603050405020304" pitchFamily="18" charset="0"/>
-                <a:cs typeface="Times New Roman" panose="02020603050405020304" pitchFamily="18" charset="0"/>
-              </a:rPr>
-              <a:t>context </a:t>
-            </a:r>
-            <a:r>
-              <a:rPr lang="zh-CN" altLang="en-US" dirty="0" smtClean="0">
-                <a:latin typeface="Times New Roman" panose="02020603050405020304" pitchFamily="18" charset="0"/>
-                <a:cs typeface="Times New Roman" panose="02020603050405020304" pitchFamily="18" charset="0"/>
-              </a:rPr>
               <a:t>的向量表示            </a:t>
             </a:r>
+            <a:endParaRPr lang="en-US" altLang="zh-CN" dirty="0" smtClean="0">
+              <a:latin typeface="Times New Roman" panose="02020603050405020304" pitchFamily="18" charset="0"/>
+              <a:cs typeface="Times New Roman" panose="02020603050405020304" pitchFamily="18" charset="0"/>
+            </a:endParaRPr>
+          </a:p>
+          <a:p>
             <a:endParaRPr lang="en-US" altLang="zh-CN" dirty="0" smtClean="0">
               <a:latin typeface="Times New Roman" panose="02020603050405020304" pitchFamily="18" charset="0"/>
               <a:cs typeface="Times New Roman" panose="02020603050405020304" pitchFamily="18" charset="0"/>
@@ -5757,35 +5019,56 @@
                 <a:latin typeface="Times New Roman" panose="02020603050405020304" pitchFamily="18" charset="0"/>
                 <a:cs typeface="Times New Roman" panose="02020603050405020304" pitchFamily="18" charset="0"/>
               </a:rPr>
-              <a:t>对于一条边           给定节点 </a:t>
+              <a:t>对于一条边（</a:t>
+            </a:r>
+            <a:r>
+              <a:rPr lang="en-US" altLang="zh-CN" dirty="0" err="1" smtClean="0">
+                <a:latin typeface="Times New Roman" panose="02020603050405020304" pitchFamily="18" charset="0"/>
+                <a:cs typeface="Times New Roman" panose="02020603050405020304" pitchFamily="18" charset="0"/>
+              </a:rPr>
+              <a:t>i</a:t>
             </a:r>
             <a:r>
               <a:rPr lang="en-US" altLang="zh-CN" dirty="0" smtClean="0">
                 <a:latin typeface="Times New Roman" panose="02020603050405020304" pitchFamily="18" charset="0"/>
                 <a:cs typeface="Times New Roman" panose="02020603050405020304" pitchFamily="18" charset="0"/>
               </a:rPr>
-              <a:t>   </a:t>
+              <a:t> , j</a:t>
             </a:r>
             <a:r>
               <a:rPr lang="zh-CN" altLang="en-US" dirty="0" smtClean="0">
                 <a:latin typeface="Times New Roman" panose="02020603050405020304" pitchFamily="18" charset="0"/>
                 <a:cs typeface="Times New Roman" panose="02020603050405020304" pitchFamily="18" charset="0"/>
               </a:rPr>
+              <a:t>）给定节点 </a:t>
+            </a:r>
+            <a:r>
+              <a:rPr lang="en-US" altLang="zh-CN" dirty="0" err="1" smtClean="0">
+                <a:latin typeface="Times New Roman" panose="02020603050405020304" pitchFamily="18" charset="0"/>
+                <a:cs typeface="Times New Roman" panose="02020603050405020304" pitchFamily="18" charset="0"/>
+              </a:rPr>
+              <a:t>i</a:t>
+            </a:r>
+            <a:r>
+              <a:rPr lang="en-US" altLang="zh-CN" dirty="0" smtClean="0">
+                <a:latin typeface="Times New Roman" panose="02020603050405020304" pitchFamily="18" charset="0"/>
+                <a:cs typeface="Times New Roman" panose="02020603050405020304" pitchFamily="18" charset="0"/>
+              </a:rPr>
+              <a:t> </a:t>
+            </a:r>
+            <a:r>
+              <a:rPr lang="zh-CN" altLang="en-US" dirty="0" smtClean="0">
+                <a:latin typeface="Times New Roman" panose="02020603050405020304" pitchFamily="18" charset="0"/>
+                <a:cs typeface="Times New Roman" panose="02020603050405020304" pitchFamily="18" charset="0"/>
+              </a:rPr>
               <a:t>则产生节点 </a:t>
             </a:r>
             <a:r>
-              <a:rPr lang="en-US" altLang="zh-CN" dirty="0">
-                <a:latin typeface="Times New Roman" panose="02020603050405020304" pitchFamily="18" charset="0"/>
-                <a:cs typeface="Times New Roman" panose="02020603050405020304" pitchFamily="18" charset="0"/>
-              </a:rPr>
-              <a:t> </a:t>
-            </a:r>
-            <a:r>
               <a:rPr lang="en-US" altLang="zh-CN" dirty="0" smtClean="0">
                 <a:latin typeface="Times New Roman" panose="02020603050405020304" pitchFamily="18" charset="0"/>
                 <a:cs typeface="Times New Roman" panose="02020603050405020304" pitchFamily="18" charset="0"/>
               </a:rPr>
-              <a:t>   </a:t>
+              <a:t>j </a:t>
             </a:r>
             <a:r>
               <a:rPr lang="zh-CN" altLang="en-US" dirty="0" smtClean="0">
@@ -5943,8 +5226,8 @@
           </a:p>
         </p:txBody>
       </p:sp>
-      <mc:AlternateContent xmlns:mc="http://schemas.openxmlformats.org/markup-compatibility/2006" xmlns:a14="http://schemas.microsoft.com/office/drawing/2010/main">
-        <mc:Choice Requires="a14">
+      <mc:AlternateContent xmlns:mc="http://schemas.openxmlformats.org/markup-compatibility/2006">
+        <mc:Choice xmlns:a14="http://schemas.microsoft.com/office/drawing/2010/main" Requires="a14">
           <p:sp>
             <p:nvSpPr>
               <p:cNvPr id="8" name="矩形 7"/>
@@ -5953,7 +5236,7 @@
             </p:nvSpPr>
             <p:spPr>
               <a:xfrm>
-                <a:off x="1024040" y="1521189"/>
+                <a:off x="640975" y="1521189"/>
                 <a:ext cx="437876" cy="369332"/>
               </a:xfrm>
               <a:prstGeom prst="rect">
@@ -5966,7 +5249,6 @@
               </a:bodyPr>
               <a:lstStyle/>
               <a:p>
-                <a:pPr/>
                 <a14:m>
                   <m:oMathPara xmlns:m="http://schemas.openxmlformats.org/officeDocument/2006/math">
                     <m:oMathParaPr>
@@ -5976,15 +5258,15 @@
                       <m:sSub>
                         <m:sSubPr>
                           <m:ctrlPr>
-                            <a:rPr lang="zh-CN" altLang="en-US" i="1" smtClean="0">
-                              <a:latin typeface="Cambria Math" panose="02040503050406030204" pitchFamily="18" charset="0"/>
+                            <a:rPr lang="zh-CN" altLang="en-US" smtClean="0">
+                              <a:latin typeface="+mn-ea"/>
                             </a:rPr>
                           </m:ctrlPr>
                         </m:sSubPr>
                         <m:e>
                           <m:r>
                             <a:rPr lang="zh-CN" altLang="en-US" i="1">
-                              <a:latin typeface="Cambria Math" panose="02040503050406030204" pitchFamily="18" charset="0"/>
+                              <a:latin typeface="+mn-ea"/>
                             </a:rPr>
                             <m:t>𝑢</m:t>
                           </m:r>
@@ -5992,7 +5274,7 @@
                         <m:sub>
                           <m:r>
                             <a:rPr lang="zh-CN" altLang="en-US" i="1">
-                              <a:latin typeface="Cambria Math" panose="02040503050406030204" pitchFamily="18" charset="0"/>
+                              <a:latin typeface="+mn-ea"/>
                             </a:rPr>
                             <m:t>𝑖</m:t>
                           </m:r>
@@ -6009,7 +5291,7 @@
             </p:txBody>
           </p:sp>
         </mc:Choice>
-        <mc:Fallback xmlns="">
+        <mc:Fallback>
           <p:sp>
             <p:nvSpPr>
               <p:cNvPr id="8" name="矩形 7"/>
@@ -6020,7 +5302,7 @@
             </p:nvSpPr>
             <p:spPr>
               <a:xfrm>
-                <a:off x="1024040" y="1521189"/>
+                <a:off x="640975" y="1521189"/>
                 <a:ext cx="437876" cy="369332"/>
               </a:xfrm>
               <a:prstGeom prst="rect">
@@ -6029,7 +5311,7 @@
               <a:blipFill rotWithShape="0">
                 <a:blip r:embed="rId2"/>
                 <a:stretch>
-                  <a:fillRect b="-3333"/>
+                  <a:fillRect b="-1667"/>
                 </a:stretch>
               </a:blipFill>
             </p:spPr>
@@ -6048,8 +5330,8 @@
           </p:sp>
         </mc:Fallback>
       </mc:AlternateContent>
-      <mc:AlternateContent xmlns:mc="http://schemas.openxmlformats.org/markup-compatibility/2006" xmlns:a14="http://schemas.microsoft.com/office/drawing/2010/main">
-        <mc:Choice Requires="a14">
+      <mc:AlternateContent xmlns:mc="http://schemas.openxmlformats.org/markup-compatibility/2006">
+        <mc:Choice xmlns:a14="http://schemas.microsoft.com/office/drawing/2010/main" Requires="a14">
           <p:sp>
             <p:nvSpPr>
               <p:cNvPr id="9" name="矩形 8"/>
@@ -6058,7 +5340,7 @@
             </p:nvSpPr>
             <p:spPr>
               <a:xfrm>
-                <a:off x="4823114" y="1521189"/>
+                <a:off x="4477124" y="1521189"/>
                 <a:ext cx="490712" cy="390941"/>
               </a:xfrm>
               <a:prstGeom prst="rect">
@@ -6076,8 +5358,8 @@
                     <m:sSub>
                       <m:sSubPr>
                         <m:ctrlPr>
-                          <a:rPr lang="zh-CN" altLang="en-US" i="1" smtClean="0">
-                            <a:latin typeface="Cambria Math" panose="02040503050406030204" pitchFamily="18" charset="0"/>
+                          <a:rPr lang="zh-CN" altLang="en-US" smtClean="0">
+                            <a:latin typeface="+mn-ea"/>
                           </a:rPr>
                         </m:ctrlPr>
                       </m:sSubPr>
@@ -6085,15 +5367,15 @@
                         <m:sSup>
                           <m:sSupPr>
                             <m:ctrlPr>
-                              <a:rPr lang="zh-CN" altLang="en-US" i="1">
-                                <a:latin typeface="Cambria Math" panose="02040503050406030204" pitchFamily="18" charset="0"/>
+                              <a:rPr lang="zh-CN" altLang="en-US">
+                                <a:latin typeface="+mn-ea"/>
                               </a:rPr>
                             </m:ctrlPr>
                           </m:sSupPr>
                           <m:e>
                             <m:r>
                               <a:rPr lang="zh-CN" altLang="en-US" i="1">
-                                <a:latin typeface="Cambria Math" panose="02040503050406030204" pitchFamily="18" charset="0"/>
+                                <a:latin typeface="+mn-ea"/>
                               </a:rPr>
                               <m:t>𝑢</m:t>
                             </m:r>
@@ -6101,7 +5383,7 @@
                           <m:sup>
                             <m:r>
                               <a:rPr lang="zh-CN" altLang="en-US" i="0">
-                                <a:latin typeface="Cambria Math" panose="02040503050406030204" pitchFamily="18" charset="0"/>
+                                <a:latin typeface="+mn-ea"/>
                               </a:rPr>
                               <m:t>′</m:t>
                             </m:r>
@@ -6111,7 +5393,7 @@
                       <m:sub>
                         <m:r>
                           <a:rPr lang="zh-CN" altLang="en-US" i="1">
-                            <a:latin typeface="Cambria Math" panose="02040503050406030204" pitchFamily="18" charset="0"/>
+                            <a:latin typeface="+mn-ea"/>
                           </a:rPr>
                           <m:t>𝑖</m:t>
                         </m:r>
@@ -6134,7 +5416,7 @@
             </p:txBody>
           </p:sp>
         </mc:Choice>
-        <mc:Fallback xmlns="">
+        <mc:Fallback>
           <p:sp>
             <p:nvSpPr>
               <p:cNvPr id="9" name="矩形 8"/>
@@ -6145,7 +5427,7 @@
             </p:nvSpPr>
             <p:spPr>
               <a:xfrm>
-                <a:off x="4823114" y="1521189"/>
+                <a:off x="4477124" y="1521189"/>
                 <a:ext cx="490712" cy="390941"/>
               </a:xfrm>
               <a:prstGeom prst="rect">
@@ -6154,7 +5436,7 @@
               <a:blipFill rotWithShape="0">
                 <a:blip r:embed="rId3"/>
                 <a:stretch>
-                  <a:fillRect/>
+                  <a:fillRect b="-1563"/>
                 </a:stretch>
               </a:blipFill>
             </p:spPr>
@@ -6221,8 +5503,8 @@
           </a:prstGeom>
         </p:spPr>
       </p:pic>
-      <mc:AlternateContent xmlns:mc="http://schemas.openxmlformats.org/markup-compatibility/2006" xmlns:a14="http://schemas.microsoft.com/office/drawing/2010/main">
-        <mc:Choice Requires="a14">
+      <mc:AlternateContent xmlns:mc="http://schemas.openxmlformats.org/markup-compatibility/2006">
+        <mc:Choice xmlns:a14="http://schemas.microsoft.com/office/drawing/2010/main" Requires="a14">
           <p:sp>
             <p:nvSpPr>
               <p:cNvPr id="17" name="矩形 16"/>
@@ -6249,15 +5531,15 @@
                     <m:sSub>
                       <m:sSubPr>
                         <m:ctrlPr>
-                          <a:rPr lang="zh-CN" altLang="en-US" i="1" smtClean="0">
-                            <a:latin typeface="Cambria Math" panose="02040503050406030204" pitchFamily="18" charset="0"/>
+                          <a:rPr lang="zh-CN" altLang="en-US" smtClean="0">
+                            <a:latin typeface="+mn-ea"/>
                           </a:rPr>
                         </m:ctrlPr>
                       </m:sSubPr>
                       <m:e>
                         <m:r>
                           <a:rPr lang="zh-CN" altLang="en-US" i="1">
-                            <a:latin typeface="Cambria Math" panose="02040503050406030204" pitchFamily="18" charset="0"/>
+                            <a:latin typeface="+mn-ea"/>
                           </a:rPr>
                           <m:t>𝑑</m:t>
                         </m:r>
@@ -6265,7 +5547,7 @@
                       <m:sub>
                         <m:r>
                           <a:rPr lang="zh-CN" altLang="en-US" i="1">
-                            <a:latin typeface="Cambria Math" panose="02040503050406030204" pitchFamily="18" charset="0"/>
+                            <a:latin typeface="+mn-ea"/>
                           </a:rPr>
                           <m:t>𝑖</m:t>
                         </m:r>
@@ -6288,7 +5570,7 @@
             </p:txBody>
           </p:sp>
         </mc:Choice>
-        <mc:Fallback xmlns="">
+        <mc:Fallback>
           <p:sp>
             <p:nvSpPr>
               <p:cNvPr id="17" name="矩形 16"/>
@@ -6494,14 +5776,14 @@
                 <a:latin typeface="Times New Roman" panose="02020603050405020304" pitchFamily="18" charset="0"/>
                 <a:cs typeface="Times New Roman" panose="02020603050405020304" pitchFamily="18" charset="0"/>
               </a:rPr>
-              <a:t>为节点节点的重要因子，可以用节点的出度或者 </a:t>
+              <a:t>为节点节点的重要因子，可以用节点的出度或者</a:t>
             </a:r>
             <a:r>
               <a:rPr lang="en-US" altLang="zh-CN" dirty="0" smtClean="0">
                 <a:latin typeface="Times New Roman" panose="02020603050405020304" pitchFamily="18" charset="0"/>
                 <a:cs typeface="Times New Roman" panose="02020603050405020304" pitchFamily="18" charset="0"/>
               </a:rPr>
-              <a:t>PageRank </a:t>
+              <a:t>PageRank</a:t>
             </a:r>
             <a:r>
               <a:rPr lang="zh-CN" altLang="en-US" dirty="0" smtClean="0">
@@ -6517,8 +5799,8 @@
           </a:p>
         </p:txBody>
       </p:sp>
-      <mc:AlternateContent xmlns:mc="http://schemas.openxmlformats.org/markup-compatibility/2006" xmlns:a14="http://schemas.microsoft.com/office/drawing/2010/main">
-        <mc:Choice Requires="a14">
+      <mc:AlternateContent xmlns:mc="http://schemas.openxmlformats.org/markup-compatibility/2006">
+        <mc:Choice xmlns:a14="http://schemas.microsoft.com/office/drawing/2010/main" Requires="a14">
           <p:sp>
             <p:nvSpPr>
               <p:cNvPr id="25" name="矩形 24"/>
@@ -6540,7 +5822,6 @@
               </a:bodyPr>
               <a:lstStyle/>
               <a:p>
-                <a:pPr/>
                 <a14:m>
                   <m:oMathPara xmlns:m="http://schemas.openxmlformats.org/officeDocument/2006/math">
                     <m:oMathParaPr>
@@ -6550,7 +5831,7 @@
                       <m:sSub>
                         <m:sSubPr>
                           <m:ctrlPr>
-                            <a:rPr lang="zh-CN" altLang="en-US" i="1" smtClean="0">
+                            <a:rPr lang="zh-CN" altLang="en-US" smtClean="0">
                               <a:latin typeface="Cambria Math" panose="02040503050406030204" pitchFamily="18" charset="0"/>
                             </a:rPr>
                           </m:ctrlPr>
@@ -6580,7 +5861,7 @@
             </p:txBody>
           </p:sp>
         </mc:Choice>
-        <mc:Fallback xmlns="">
+        <mc:Fallback>
           <p:sp>
             <p:nvSpPr>
               <p:cNvPr id="25" name="矩形 24"/>
@@ -6619,78 +5900,6 @@
           </p:sp>
         </mc:Fallback>
       </mc:AlternateContent>
-      <p:pic>
-        <p:nvPicPr>
-          <p:cNvPr id="4" name="图片 3"/>
-          <p:cNvPicPr>
-            <a:picLocks noChangeAspect="1"/>
-          </p:cNvPicPr>
-          <p:nvPr/>
-        </p:nvPicPr>
-        <p:blipFill>
-          <a:blip r:embed="rId10"/>
-          <a:stretch>
-            <a:fillRect/>
-          </a:stretch>
-        </p:blipFill>
-        <p:spPr>
-          <a:xfrm>
-            <a:off x="1546375" y="2173787"/>
-            <a:ext cx="517203" cy="315723"/>
-          </a:xfrm>
-          <a:prstGeom prst="rect">
-            <a:avLst/>
-          </a:prstGeom>
-        </p:spPr>
-      </p:pic>
-      <p:pic>
-        <p:nvPicPr>
-          <p:cNvPr id="5" name="图片 4"/>
-          <p:cNvPicPr>
-            <a:picLocks noChangeAspect="1"/>
-          </p:cNvPicPr>
-          <p:nvPr/>
-        </p:nvPicPr>
-        <p:blipFill>
-          <a:blip r:embed="rId11"/>
-          <a:stretch>
-            <a:fillRect/>
-          </a:stretch>
-        </p:blipFill>
-        <p:spPr>
-          <a:xfrm>
-            <a:off x="3064474" y="2183366"/>
-            <a:ext cx="157428" cy="283059"/>
-          </a:xfrm>
-          <a:prstGeom prst="rect">
-            <a:avLst/>
-          </a:prstGeom>
-        </p:spPr>
-      </p:pic>
-      <p:pic>
-        <p:nvPicPr>
-          <p:cNvPr id="7" name="图片 6"/>
-          <p:cNvPicPr>
-            <a:picLocks noChangeAspect="1"/>
-          </p:cNvPicPr>
-          <p:nvPr/>
-        </p:nvPicPr>
-        <p:blipFill>
-          <a:blip r:embed="rId12"/>
-          <a:stretch>
-            <a:fillRect/>
-          </a:stretch>
-        </p:blipFill>
-        <p:spPr>
-          <a:xfrm>
-            <a:off x="4435170" y="2168833"/>
-            <a:ext cx="198612" cy="297592"/>
-          </a:xfrm>
-          <a:prstGeom prst="rect">
-            <a:avLst/>
-          </a:prstGeom>
-        </p:spPr>
-      </p:pic>
     </p:spTree>
     <p:extLst>
       <p:ext uri="{BB962C8B-B14F-4D97-AF65-F5344CB8AC3E}">
@@ -6711,7 +5920,7 @@
 </p:sld>
 </file>
 
-<file path=ppt/slides/slide6.xml><?xml version="1.0" encoding="utf-8"?>
+<file path=ppt/slides/slide5.xml><?xml version="1.0" encoding="utf-8"?>
 <p:sld xmlns:a="http://schemas.openxmlformats.org/drawingml/2006/main" xmlns:r="http://schemas.openxmlformats.org/officeDocument/2006/relationships" xmlns:p="http://schemas.openxmlformats.org/presentationml/2006/main">
   <p:cSld>
     <p:spTree>
@@ -6881,18 +6090,11 @@
           <a:lstStyle/>
           <a:p>
             <a:r>
-              <a:rPr lang="zh-CN" altLang="en-US" b="1" dirty="0" smtClean="0">
-                <a:latin typeface="Times New Roman" panose="02020603050405020304" pitchFamily="18" charset="0"/>
-                <a:cs typeface="Times New Roman" panose="02020603050405020304" pitchFamily="18" charset="0"/>
-              </a:rPr>
-              <a:t>数据</a:t>
-            </a:r>
-            <a:r>
               <a:rPr lang="zh-CN" altLang="en-US" dirty="0" smtClean="0">
                 <a:latin typeface="Times New Roman" panose="02020603050405020304" pitchFamily="18" charset="0"/>
                 <a:cs typeface="Times New Roman" panose="02020603050405020304" pitchFamily="18" charset="0"/>
               </a:rPr>
-              <a:t>：有偏的随机游走策略，将空间数据转化为序列数据</a:t>
+              <a:t>数据：有偏的随机游走策略，将空间数据转化为序列数据</a:t>
             </a:r>
             <a:endParaRPr lang="en-US" altLang="zh-CN" dirty="0" smtClean="0">
               <a:latin typeface="Times New Roman" panose="02020603050405020304" pitchFamily="18" charset="0"/>
@@ -7122,8 +6324,8 @@
           </a:prstGeom>
         </p:spPr>
       </p:pic>
-      <mc:AlternateContent xmlns:mc="http://schemas.openxmlformats.org/markup-compatibility/2006" xmlns:a14="http://schemas.microsoft.com/office/drawing/2010/main">
-        <mc:Choice Requires="a14">
+      <mc:AlternateContent xmlns:mc="http://schemas.openxmlformats.org/markup-compatibility/2006">
+        <mc:Choice xmlns:a14="http://schemas.microsoft.com/office/drawing/2010/main" Requires="a14">
           <p:sp>
             <p:nvSpPr>
               <p:cNvPr id="4" name="矩形 3"/>
@@ -7145,7 +6347,6 @@
               </a:bodyPr>
               <a:lstStyle/>
               <a:p>
-                <a:pPr/>
                 <a14:m>
                   <m:oMathPara xmlns:m="http://schemas.openxmlformats.org/officeDocument/2006/math">
                     <m:oMathParaPr>
@@ -7154,7 +6355,7 @@
                     <m:oMath xmlns:m="http://schemas.openxmlformats.org/officeDocument/2006/math">
                       <m:r>
                         <a:rPr lang="zh-CN" altLang="en-US" i="1" smtClean="0">
-                          <a:latin typeface="Cambria Math" panose="02040503050406030204" pitchFamily="18" charset="0"/>
+                          <a:latin typeface="+mn-ea"/>
                         </a:rPr>
                         <m:t>𝑣</m:t>
                       </m:r>
@@ -7169,7 +6370,7 @@
             </p:txBody>
           </p:sp>
         </mc:Choice>
-        <mc:Fallback xmlns="">
+        <mc:Fallback>
           <p:sp>
             <p:nvSpPr>
               <p:cNvPr id="4" name="矩形 3"/>
@@ -7208,8 +6409,8 @@
           </p:sp>
         </mc:Fallback>
       </mc:AlternateContent>
-      <mc:AlternateContent xmlns:mc="http://schemas.openxmlformats.org/markup-compatibility/2006" xmlns:a14="http://schemas.microsoft.com/office/drawing/2010/main">
-        <mc:Choice Requires="a14">
+      <mc:AlternateContent xmlns:mc="http://schemas.openxmlformats.org/markup-compatibility/2006">
+        <mc:Choice xmlns:a14="http://schemas.microsoft.com/office/drawing/2010/main" Requires="a14">
           <p:sp>
             <p:nvSpPr>
               <p:cNvPr id="5" name="矩形 4"/>
@@ -7231,7 +6432,6 @@
               </a:bodyPr>
               <a:lstStyle/>
               <a:p>
-                <a:pPr/>
                 <a14:m>
                   <m:oMathPara xmlns:m="http://schemas.openxmlformats.org/officeDocument/2006/math">
                     <m:oMathParaPr>
@@ -7240,7 +6440,7 @@
                     <m:oMath xmlns:m="http://schemas.openxmlformats.org/officeDocument/2006/math">
                       <m:r>
                         <a:rPr lang="zh-CN" altLang="en-US" i="1" smtClean="0">
-                          <a:latin typeface="Cambria Math" panose="02040503050406030204" pitchFamily="18" charset="0"/>
+                          <a:latin typeface="+mn-ea"/>
                         </a:rPr>
                         <m:t>𝑥</m:t>
                       </m:r>
@@ -7255,7 +6455,7 @@
             </p:txBody>
           </p:sp>
         </mc:Choice>
-        <mc:Fallback xmlns="">
+        <mc:Fallback>
           <p:sp>
             <p:nvSpPr>
               <p:cNvPr id="5" name="矩形 4"/>
@@ -7318,8 +6518,8 @@
           </a:prstGeom>
         </p:spPr>
       </p:pic>
-      <mc:AlternateContent xmlns:mc="http://schemas.openxmlformats.org/markup-compatibility/2006" xmlns:a14="http://schemas.microsoft.com/office/drawing/2010/main">
-        <mc:Choice Requires="a14">
+      <mc:AlternateContent xmlns:mc="http://schemas.openxmlformats.org/markup-compatibility/2006">
+        <mc:Choice xmlns:a14="http://schemas.microsoft.com/office/drawing/2010/main" Requires="a14">
           <p:sp>
             <p:nvSpPr>
               <p:cNvPr id="13" name="矩形 12"/>
@@ -7341,7 +6541,6 @@
               </a:bodyPr>
               <a:lstStyle/>
               <a:p>
-                <a:pPr/>
                 <a14:m>
                   <m:oMathPara xmlns:m="http://schemas.openxmlformats.org/officeDocument/2006/math">
                     <m:oMathParaPr>
@@ -7350,7 +6549,7 @@
                     <m:oMath xmlns:m="http://schemas.openxmlformats.org/officeDocument/2006/math">
                       <m:r>
                         <a:rPr lang="zh-CN" altLang="en-US" i="1" smtClean="0">
-                          <a:latin typeface="Cambria Math" panose="02040503050406030204" pitchFamily="18" charset="0"/>
+                          <a:latin typeface="+mn-ea"/>
                         </a:rPr>
                         <m:t>𝑍</m:t>
                       </m:r>
@@ -7365,7 +6564,7 @@
             </p:txBody>
           </p:sp>
         </mc:Choice>
-        <mc:Fallback xmlns="">
+        <mc:Fallback>
           <p:sp>
             <p:nvSpPr>
               <p:cNvPr id="13" name="矩形 12"/>
@@ -7452,8 +6651,8 @@
           </a:prstGeom>
         </p:spPr>
       </p:pic>
-      <mc:AlternateContent xmlns:mc="http://schemas.openxmlformats.org/markup-compatibility/2006" xmlns:a14="http://schemas.microsoft.com/office/drawing/2010/main">
-        <mc:Choice Requires="a14">
+      <mc:AlternateContent xmlns:mc="http://schemas.openxmlformats.org/markup-compatibility/2006">
+        <mc:Choice xmlns:a14="http://schemas.microsoft.com/office/drawing/2010/main" Requires="a14">
           <p:sp>
             <p:nvSpPr>
               <p:cNvPr id="18" name="矩形 17"/>
@@ -7475,7 +6674,6 @@
               </a:bodyPr>
               <a:lstStyle/>
               <a:p>
-                <a:pPr/>
                 <a14:m>
                   <m:oMathPara xmlns:m="http://schemas.openxmlformats.org/officeDocument/2006/math">
                     <m:oMathParaPr>
@@ -7484,7 +6682,7 @@
                     <m:oMath xmlns:m="http://schemas.openxmlformats.org/officeDocument/2006/math">
                       <m:r>
                         <a:rPr lang="zh-CN" altLang="en-US" i="1" smtClean="0">
-                          <a:latin typeface="Cambria Math" panose="02040503050406030204" pitchFamily="18" charset="0"/>
+                          <a:latin typeface="+mn-ea"/>
                         </a:rPr>
                         <m:t>𝑝</m:t>
                       </m:r>
@@ -7499,7 +6697,7 @@
             </p:txBody>
           </p:sp>
         </mc:Choice>
-        <mc:Fallback xmlns="">
+        <mc:Fallback>
           <p:sp>
             <p:nvSpPr>
               <p:cNvPr id="18" name="矩形 17"/>
@@ -7538,8 +6736,8 @@
           </p:sp>
         </mc:Fallback>
       </mc:AlternateContent>
-      <mc:AlternateContent xmlns:mc="http://schemas.openxmlformats.org/markup-compatibility/2006" xmlns:a14="http://schemas.microsoft.com/office/drawing/2010/main">
-        <mc:Choice Requires="a14">
+      <mc:AlternateContent xmlns:mc="http://schemas.openxmlformats.org/markup-compatibility/2006">
+        <mc:Choice xmlns:a14="http://schemas.microsoft.com/office/drawing/2010/main" Requires="a14">
           <p:sp>
             <p:nvSpPr>
               <p:cNvPr id="19" name="矩形 18"/>
@@ -7561,7 +6759,6 @@
               </a:bodyPr>
               <a:lstStyle/>
               <a:p>
-                <a:pPr/>
                 <a14:m>
                   <m:oMathPara xmlns:m="http://schemas.openxmlformats.org/officeDocument/2006/math">
                     <m:oMathParaPr>
@@ -7570,7 +6767,7 @@
                     <m:oMath xmlns:m="http://schemas.openxmlformats.org/officeDocument/2006/math">
                       <m:r>
                         <a:rPr lang="zh-CN" altLang="en-US" i="1" smtClean="0">
-                          <a:latin typeface="Cambria Math" panose="02040503050406030204" pitchFamily="18" charset="0"/>
+                          <a:latin typeface="+mn-ea"/>
                         </a:rPr>
                         <m:t>𝑞</m:t>
                       </m:r>
@@ -7585,7 +6782,7 @@
             </p:txBody>
           </p:sp>
         </mc:Choice>
-        <mc:Fallback xmlns="">
+        <mc:Fallback>
           <p:sp>
             <p:nvSpPr>
               <p:cNvPr id="19" name="矩形 18"/>
@@ -7648,8 +6845,8 @@
           </a:prstGeom>
         </p:spPr>
       </p:pic>
-      <mc:AlternateContent xmlns:mc="http://schemas.openxmlformats.org/markup-compatibility/2006" xmlns:a14="http://schemas.microsoft.com/office/drawing/2010/main">
-        <mc:Choice Requires="a14">
+      <mc:AlternateContent xmlns:mc="http://schemas.openxmlformats.org/markup-compatibility/2006">
+        <mc:Choice xmlns:a14="http://schemas.microsoft.com/office/drawing/2010/main" Requires="a14">
           <p:sp>
             <p:nvSpPr>
               <p:cNvPr id="27" name="矩形 26"/>
@@ -7671,7 +6868,6 @@
               </a:bodyPr>
               <a:lstStyle/>
               <a:p>
-                <a:pPr/>
                 <a14:m>
                   <m:oMathPara xmlns:m="http://schemas.openxmlformats.org/officeDocument/2006/math">
                     <m:oMathParaPr>
@@ -7680,7 +6876,7 @@
                     <m:oMath xmlns:m="http://schemas.openxmlformats.org/officeDocument/2006/math">
                       <m:r>
                         <a:rPr lang="zh-CN" altLang="en-US" i="1" smtClean="0">
-                          <a:latin typeface="Cambria Math" panose="02040503050406030204" pitchFamily="18" charset="0"/>
+                          <a:latin typeface="+mn-ea"/>
                         </a:rPr>
                         <m:t>𝑥</m:t>
                       </m:r>
@@ -7695,7 +6891,7 @@
             </p:txBody>
           </p:sp>
         </mc:Choice>
-        <mc:Fallback xmlns="">
+        <mc:Fallback>
           <p:sp>
             <p:nvSpPr>
               <p:cNvPr id="27" name="矩形 26"/>
@@ -7758,8 +6954,8 @@
           </a:prstGeom>
         </p:spPr>
       </p:pic>
-      <mc:AlternateContent xmlns:mc="http://schemas.openxmlformats.org/markup-compatibility/2006" xmlns:a14="http://schemas.microsoft.com/office/drawing/2010/main">
-        <mc:Choice Requires="a14">
+      <mc:AlternateContent xmlns:mc="http://schemas.openxmlformats.org/markup-compatibility/2006">
+        <mc:Choice xmlns:a14="http://schemas.microsoft.com/office/drawing/2010/main" Requires="a14">
           <p:sp>
             <p:nvSpPr>
               <p:cNvPr id="29" name="矩形 28"/>
@@ -7781,7 +6977,6 @@
               </a:bodyPr>
               <a:lstStyle/>
               <a:p>
-                <a:pPr/>
                 <a14:m>
                   <m:oMathPara xmlns:m="http://schemas.openxmlformats.org/officeDocument/2006/math">
                     <m:oMathParaPr>
@@ -7791,15 +6986,15 @@
                       <m:sSub>
                         <m:sSubPr>
                           <m:ctrlPr>
-                            <a:rPr lang="zh-CN" altLang="en-US" i="1" smtClean="0">
-                              <a:latin typeface="Cambria Math" panose="02040503050406030204" pitchFamily="18" charset="0"/>
+                            <a:rPr lang="zh-CN" altLang="en-US" smtClean="0">
+                              <a:latin typeface="+mn-ea"/>
                             </a:rPr>
                           </m:ctrlPr>
                         </m:sSubPr>
                         <m:e>
                           <m:r>
                             <a:rPr lang="zh-CN" altLang="en-US" i="1">
-                              <a:latin typeface="Cambria Math" panose="02040503050406030204" pitchFamily="18" charset="0"/>
+                              <a:latin typeface="+mn-ea"/>
                             </a:rPr>
                             <m:t>𝑑</m:t>
                           </m:r>
@@ -7807,7 +7002,7 @@
                         <m:sub>
                           <m:r>
                             <a:rPr lang="zh-CN" altLang="en-US" i="1">
-                              <a:latin typeface="Cambria Math" panose="02040503050406030204" pitchFamily="18" charset="0"/>
+                              <a:latin typeface="+mn-ea"/>
                             </a:rPr>
                             <m:t>𝑡𝑥</m:t>
                           </m:r>
@@ -7824,7 +7019,7 @@
             </p:txBody>
           </p:sp>
         </mc:Choice>
-        <mc:Fallback xmlns="">
+        <mc:Fallback>
           <p:sp>
             <p:nvSpPr>
               <p:cNvPr id="29" name="矩形 28"/>
@@ -7863,8 +7058,8 @@
           </p:sp>
         </mc:Fallback>
       </mc:AlternateContent>
-      <mc:AlternateContent xmlns:mc="http://schemas.openxmlformats.org/markup-compatibility/2006" xmlns:a14="http://schemas.microsoft.com/office/drawing/2010/main">
-        <mc:Choice Requires="a14">
+      <mc:AlternateContent xmlns:mc="http://schemas.openxmlformats.org/markup-compatibility/2006">
+        <mc:Choice xmlns:a14="http://schemas.microsoft.com/office/drawing/2010/main" Requires="a14">
           <p:sp>
             <p:nvSpPr>
               <p:cNvPr id="30" name="矩形 29"/>
@@ -7886,7 +7081,6 @@
               </a:bodyPr>
               <a:lstStyle/>
               <a:p>
-                <a:pPr/>
                 <a14:m>
                   <m:oMathPara xmlns:m="http://schemas.openxmlformats.org/officeDocument/2006/math">
                     <m:oMathParaPr>
@@ -7895,7 +7089,7 @@
                     <m:oMath xmlns:m="http://schemas.openxmlformats.org/officeDocument/2006/math">
                       <m:r>
                         <a:rPr lang="zh-CN" altLang="en-US" i="1" smtClean="0">
-                          <a:latin typeface="Cambria Math" panose="02040503050406030204" pitchFamily="18" charset="0"/>
+                          <a:latin typeface="+mn-ea"/>
                         </a:rPr>
                         <m:t>𝑡</m:t>
                       </m:r>
@@ -7910,7 +7104,7 @@
             </p:txBody>
           </p:sp>
         </mc:Choice>
-        <mc:Fallback xmlns="">
+        <mc:Fallback>
           <p:sp>
             <p:nvSpPr>
               <p:cNvPr id="30" name="矩形 29"/>
@@ -7949,8 +7143,8 @@
           </p:sp>
         </mc:Fallback>
       </mc:AlternateContent>
-      <mc:AlternateContent xmlns:mc="http://schemas.openxmlformats.org/markup-compatibility/2006" xmlns:a14="http://schemas.microsoft.com/office/drawing/2010/main">
-        <mc:Choice Requires="a14">
+      <mc:AlternateContent xmlns:mc="http://schemas.openxmlformats.org/markup-compatibility/2006">
+        <mc:Choice xmlns:a14="http://schemas.microsoft.com/office/drawing/2010/main" Requires="a14">
           <p:sp>
             <p:nvSpPr>
               <p:cNvPr id="31" name="矩形 30"/>
@@ -7972,7 +7166,6 @@
               </a:bodyPr>
               <a:lstStyle/>
               <a:p>
-                <a:pPr/>
                 <a14:m>
                   <m:oMathPara xmlns:m="http://schemas.openxmlformats.org/officeDocument/2006/math">
                     <m:oMathParaPr>
@@ -7981,7 +7174,7 @@
                     <m:oMath xmlns:m="http://schemas.openxmlformats.org/officeDocument/2006/math">
                       <m:r>
                         <a:rPr lang="zh-CN" altLang="en-US" i="1" smtClean="0">
-                          <a:latin typeface="Cambria Math" panose="02040503050406030204" pitchFamily="18" charset="0"/>
+                          <a:latin typeface="+mn-ea"/>
                         </a:rPr>
                         <m:t>𝑥</m:t>
                       </m:r>
@@ -7996,7 +7189,7 @@
             </p:txBody>
           </p:sp>
         </mc:Choice>
-        <mc:Fallback xmlns="">
+        <mc:Fallback>
           <p:sp>
             <p:nvSpPr>
               <p:cNvPr id="31" name="矩形 30"/>
@@ -8154,8 +7347,8 @@
           </a:p>
         </p:txBody>
       </p:sp>
-      <mc:AlternateContent xmlns:mc="http://schemas.openxmlformats.org/markup-compatibility/2006" xmlns:a14="http://schemas.microsoft.com/office/drawing/2010/main">
-        <mc:Choice Requires="a14">
+      <mc:AlternateContent xmlns:mc="http://schemas.openxmlformats.org/markup-compatibility/2006">
+        <mc:Choice xmlns:a14="http://schemas.microsoft.com/office/drawing/2010/main" Requires="a14">
           <p:sp>
             <p:nvSpPr>
               <p:cNvPr id="33" name="矩形 32"/>
@@ -8177,7 +7370,6 @@
               </a:bodyPr>
               <a:lstStyle/>
               <a:p>
-                <a:pPr/>
                 <a14:m>
                   <m:oMathPara xmlns:m="http://schemas.openxmlformats.org/officeDocument/2006/math">
                     <m:oMathParaPr>
@@ -8186,7 +7378,7 @@
                     <m:oMath xmlns:m="http://schemas.openxmlformats.org/officeDocument/2006/math">
                       <m:r>
                         <a:rPr lang="zh-CN" altLang="en-US" i="1" smtClean="0">
-                          <a:latin typeface="Cambria Math" panose="02040503050406030204" pitchFamily="18" charset="0"/>
+                          <a:latin typeface="+mn-ea"/>
                         </a:rPr>
                         <m:t>𝑝</m:t>
                       </m:r>
@@ -8207,7 +7399,7 @@
             </p:txBody>
           </p:sp>
         </mc:Choice>
-        <mc:Fallback xmlns="">
+        <mc:Fallback>
           <p:sp>
             <p:nvSpPr>
               <p:cNvPr id="33" name="矩形 32"/>
@@ -8246,8 +7438,8 @@
           </p:sp>
         </mc:Fallback>
       </mc:AlternateContent>
-      <mc:AlternateContent xmlns:mc="http://schemas.openxmlformats.org/markup-compatibility/2006" xmlns:a14="http://schemas.microsoft.com/office/drawing/2010/main">
-        <mc:Choice Requires="a14">
+      <mc:AlternateContent xmlns:mc="http://schemas.openxmlformats.org/markup-compatibility/2006">
+        <mc:Choice xmlns:a14="http://schemas.microsoft.com/office/drawing/2010/main" Requires="a14">
           <p:sp>
             <p:nvSpPr>
               <p:cNvPr id="34" name="矩形 33"/>
@@ -8269,7 +7461,6 @@
               </a:bodyPr>
               <a:lstStyle/>
               <a:p>
-                <a:pPr/>
                 <a14:m>
                   <m:oMathPara xmlns:m="http://schemas.openxmlformats.org/officeDocument/2006/math">
                     <m:oMathParaPr>
@@ -8278,7 +7469,7 @@
                     <m:oMath xmlns:m="http://schemas.openxmlformats.org/officeDocument/2006/math">
                       <m:r>
                         <a:rPr lang="zh-CN" altLang="en-US" i="1" smtClean="0">
-                          <a:latin typeface="Cambria Math" panose="02040503050406030204" pitchFamily="18" charset="0"/>
+                          <a:latin typeface="+mn-ea"/>
                         </a:rPr>
                         <m:t>𝑞</m:t>
                       </m:r>
@@ -8293,7 +7484,7 @@
             </p:txBody>
           </p:sp>
         </mc:Choice>
-        <mc:Fallback xmlns="">
+        <mc:Fallback>
           <p:sp>
             <p:nvSpPr>
               <p:cNvPr id="34" name="矩形 33"/>
@@ -8352,7 +7543,7 @@
 </p:sld>
 </file>
 
-<file path=ppt/slides/slide7.xml><?xml version="1.0" encoding="utf-8"?>
+<file path=ppt/slides/slide6.xml><?xml version="1.0" encoding="utf-8"?>
 <p:sld xmlns:a="http://schemas.openxmlformats.org/drawingml/2006/main" xmlns:r="http://schemas.openxmlformats.org/officeDocument/2006/relationships" xmlns:p="http://schemas.openxmlformats.org/presentationml/2006/main">
   <p:cSld>
     <p:spTree>
@@ -8430,18 +7621,11 @@
           <a:lstStyle/>
           <a:p>
             <a:r>
-              <a:rPr lang="zh-CN" altLang="en-US" b="1" dirty="0" smtClean="0">
-                <a:latin typeface="Times New Roman" panose="02020603050405020304" pitchFamily="18" charset="0"/>
-                <a:cs typeface="Times New Roman" panose="02020603050405020304" pitchFamily="18" charset="0"/>
-              </a:rPr>
-              <a:t>模型</a:t>
-            </a:r>
-            <a:r>
               <a:rPr lang="zh-CN" altLang="en-US" dirty="0" smtClean="0">
                 <a:latin typeface="Times New Roman" panose="02020603050405020304" pitchFamily="18" charset="0"/>
                 <a:cs typeface="Times New Roman" panose="02020603050405020304" pitchFamily="18" charset="0"/>
               </a:rPr>
-              <a:t>：</a:t>
+              <a:t>模型：</a:t>
             </a:r>
             <a:endParaRPr lang="en-US" altLang="zh-CN" dirty="0" smtClean="0">
               <a:latin typeface="Times New Roman" panose="02020603050405020304" pitchFamily="18" charset="0"/>
@@ -8741,8 +7925,8 @@
           </a:p>
         </p:txBody>
       </p:sp>
-      <mc:AlternateContent xmlns:mc="http://schemas.openxmlformats.org/markup-compatibility/2006" xmlns:a14="http://schemas.microsoft.com/office/drawing/2010/main">
-        <mc:Choice Requires="a14">
+      <mc:AlternateContent xmlns:mc="http://schemas.openxmlformats.org/markup-compatibility/2006">
+        <mc:Choice xmlns:a14="http://schemas.microsoft.com/office/drawing/2010/main" Requires="a14">
           <p:sp>
             <p:nvSpPr>
               <p:cNvPr id="6" name="矩形 5"/>
@@ -8764,7 +7948,6 @@
               </a:bodyPr>
               <a:lstStyle/>
               <a:p>
-                <a:pPr/>
                 <a14:m>
                   <m:oMathPara xmlns:m="http://schemas.openxmlformats.org/officeDocument/2006/math">
                     <m:oMathParaPr>
@@ -8785,7 +7968,7 @@
             </p:txBody>
           </p:sp>
         </mc:Choice>
-        <mc:Fallback xmlns="">
+        <mc:Fallback>
           <p:sp>
             <p:nvSpPr>
               <p:cNvPr id="6" name="矩形 5"/>
@@ -8872,8 +8055,8 @@
           </a:prstGeom>
         </p:spPr>
       </p:pic>
-      <mc:AlternateContent xmlns:mc="http://schemas.openxmlformats.org/markup-compatibility/2006" xmlns:a14="http://schemas.microsoft.com/office/drawing/2010/main">
-        <mc:Choice Requires="a14">
+      <mc:AlternateContent xmlns:mc="http://schemas.openxmlformats.org/markup-compatibility/2006">
+        <mc:Choice xmlns:a14="http://schemas.microsoft.com/office/drawing/2010/main" Requires="a14">
           <p:sp>
             <p:nvSpPr>
               <p:cNvPr id="16" name="矩形 15"/>
@@ -8895,7 +8078,6 @@
               </a:bodyPr>
               <a:lstStyle/>
               <a:p>
-                <a:pPr/>
                 <a14:m>
                   <m:oMathPara xmlns:m="http://schemas.openxmlformats.org/officeDocument/2006/math">
                     <m:oMathParaPr>
@@ -8916,7 +8098,7 @@
             </p:txBody>
           </p:sp>
         </mc:Choice>
-        <mc:Fallback xmlns="">
+        <mc:Fallback>
           <p:sp>
             <p:nvSpPr>
               <p:cNvPr id="16" name="矩形 15"/>
@@ -8955,8 +8137,8 @@
           </p:sp>
         </mc:Fallback>
       </mc:AlternateContent>
-      <mc:AlternateContent xmlns:mc="http://schemas.openxmlformats.org/markup-compatibility/2006" xmlns:a14="http://schemas.microsoft.com/office/drawing/2010/main">
-        <mc:Choice Requires="a14">
+      <mc:AlternateContent xmlns:mc="http://schemas.openxmlformats.org/markup-compatibility/2006">
+        <mc:Choice xmlns:a14="http://schemas.microsoft.com/office/drawing/2010/main" Requires="a14">
           <p:sp>
             <p:nvSpPr>
               <p:cNvPr id="35" name="矩形 34"/>
@@ -8978,7 +8160,6 @@
               </a:bodyPr>
               <a:lstStyle/>
               <a:p>
-                <a:pPr/>
                 <a14:m>
                   <m:oMathPara xmlns:m="http://schemas.openxmlformats.org/officeDocument/2006/math">
                     <m:oMathParaPr>
@@ -8999,7 +8180,7 @@
             </p:txBody>
           </p:sp>
         </mc:Choice>
-        <mc:Fallback xmlns="">
+        <mc:Fallback>
           <p:sp>
             <p:nvSpPr>
               <p:cNvPr id="35" name="矩形 34"/>
@@ -9062,8 +8243,8 @@
           </a:prstGeom>
         </p:spPr>
       </p:pic>
-      <mc:AlternateContent xmlns:mc="http://schemas.openxmlformats.org/markup-compatibility/2006" xmlns:a14="http://schemas.microsoft.com/office/drawing/2010/main">
-        <mc:Choice Requires="a14">
+      <mc:AlternateContent xmlns:mc="http://schemas.openxmlformats.org/markup-compatibility/2006">
+        <mc:Choice xmlns:a14="http://schemas.microsoft.com/office/drawing/2010/main" Requires="a14">
           <p:sp>
             <p:nvSpPr>
               <p:cNvPr id="36" name="矩形 35"/>
@@ -9085,7 +8266,6 @@
               </a:bodyPr>
               <a:lstStyle/>
               <a:p>
-                <a:pPr/>
                 <a14:m>
                   <m:oMathPara xmlns:m="http://schemas.openxmlformats.org/officeDocument/2006/math">
                     <m:oMathParaPr>
@@ -9106,7 +8286,7 @@
             </p:txBody>
           </p:sp>
         </mc:Choice>
-        <mc:Fallback xmlns="">
+        <mc:Fallback>
           <p:sp>
             <p:nvSpPr>
               <p:cNvPr id="36" name="矩形 35"/>
@@ -9245,994 +8425,6 @@
     <p:extLst>
       <p:ext uri="{BB962C8B-B14F-4D97-AF65-F5344CB8AC3E}">
         <p14:creationId xmlns:p14="http://schemas.microsoft.com/office/powerpoint/2010/main" val="2975020457"/>
-      </p:ext>
-    </p:extLst>
-  </p:cSld>
-  <p:clrMapOvr>
-    <a:masterClrMapping/>
-  </p:clrMapOvr>
-  <p:timing>
-    <p:tnLst>
-      <p:par>
-        <p:cTn id="1" dur="indefinite" restart="never" nodeType="tmRoot"/>
-      </p:par>
-    </p:tnLst>
-  </p:timing>
-</p:sld>
-</file>
-
-<file path=ppt/slides/slide8.xml><?xml version="1.0" encoding="utf-8"?>
-<p:sld xmlns:a="http://schemas.openxmlformats.org/drawingml/2006/main" xmlns:r="http://schemas.openxmlformats.org/officeDocument/2006/relationships" xmlns:p="http://schemas.openxmlformats.org/presentationml/2006/main">
-  <p:cSld>
-    <p:spTree>
-      <p:nvGrpSpPr>
-        <p:cNvPr id="1" name=""/>
-        <p:cNvGrpSpPr/>
-        <p:nvPr/>
-      </p:nvGrpSpPr>
-      <p:grpSpPr>
-        <a:xfrm>
-          <a:off x="0" y="0"/>
-          <a:ext cx="0" cy="0"/>
-          <a:chOff x="0" y="0"/>
-          <a:chExt cx="0" cy="0"/>
-        </a:xfrm>
-      </p:grpSpPr>
-      <p:sp>
-        <p:nvSpPr>
-          <p:cNvPr id="2" name="标题 1"/>
-          <p:cNvSpPr>
-            <a:spLocks noGrp="1"/>
-          </p:cNvSpPr>
-          <p:nvPr>
-            <p:ph type="ctrTitle"/>
-          </p:nvPr>
-        </p:nvSpPr>
-        <p:spPr>
-          <a:xfrm>
-            <a:off x="296562" y="160636"/>
-            <a:ext cx="2409568" cy="593125"/>
-          </a:xfrm>
-        </p:spPr>
-        <p:txBody>
-          <a:bodyPr>
-            <a:normAutofit/>
-          </a:bodyPr>
-          <a:lstStyle/>
-          <a:p>
-            <a:r>
-              <a:rPr lang="en-US" altLang="zh-CN" sz="3200" dirty="0" smtClean="0">
-                <a:latin typeface="Times New Roman" panose="02020603050405020304" pitchFamily="18" charset="0"/>
-                <a:ea typeface="+mn-ea"/>
-                <a:cs typeface="Times New Roman" panose="02020603050405020304" pitchFamily="18" charset="0"/>
-              </a:rPr>
-              <a:t>Ali</a:t>
-            </a:r>
-            <a:r>
-              <a:rPr lang="zh-CN" altLang="en-US" sz="3200" dirty="0" smtClean="0">
-                <a:latin typeface="Times New Roman" panose="02020603050405020304" pitchFamily="18" charset="0"/>
-                <a:ea typeface="+mn-ea"/>
-                <a:cs typeface="Times New Roman" panose="02020603050405020304" pitchFamily="18" charset="0"/>
-              </a:rPr>
-              <a:t>三种方式</a:t>
-            </a:r>
-            <a:endParaRPr lang="zh-CN" altLang="en-US" sz="3200" dirty="0">
-              <a:latin typeface="Times New Roman" panose="02020603050405020304" pitchFamily="18" charset="0"/>
-              <a:ea typeface="+mn-ea"/>
-              <a:cs typeface="Times New Roman" panose="02020603050405020304" pitchFamily="18" charset="0"/>
-            </a:endParaRPr>
-          </a:p>
-        </p:txBody>
-      </p:sp>
-      <p:sp>
-        <p:nvSpPr>
-          <p:cNvPr id="11" name="文本框 10"/>
-          <p:cNvSpPr txBox="1"/>
-          <p:nvPr/>
-        </p:nvSpPr>
-        <p:spPr>
-          <a:xfrm>
-            <a:off x="296562" y="987516"/>
-            <a:ext cx="6104238" cy="5355312"/>
-          </a:xfrm>
-          <a:prstGeom prst="rect">
-            <a:avLst/>
-          </a:prstGeom>
-          <a:noFill/>
-        </p:spPr>
-        <p:txBody>
-          <a:bodyPr wrap="square" rtlCol="0">
-            <a:spAutoFit/>
-          </a:bodyPr>
-          <a:lstStyle/>
-          <a:p>
-            <a:r>
-              <a:rPr lang="en-US" altLang="zh-CN" b="1" dirty="0" smtClean="0">
-                <a:latin typeface="Times New Roman" panose="02020603050405020304" pitchFamily="18" charset="0"/>
-                <a:cs typeface="Times New Roman" panose="02020603050405020304" pitchFamily="18" charset="0"/>
-              </a:rPr>
-              <a:t>BGE</a:t>
-            </a:r>
-            <a:r>
-              <a:rPr lang="zh-CN" altLang="en-US" dirty="0" smtClean="0">
-                <a:latin typeface="Times New Roman" panose="02020603050405020304" pitchFamily="18" charset="0"/>
-                <a:cs typeface="Times New Roman" panose="02020603050405020304" pitchFamily="18" charset="0"/>
-              </a:rPr>
-              <a:t>：</a:t>
-            </a:r>
-            <a:r>
-              <a:rPr lang="en-US" altLang="zh-CN" dirty="0">
-                <a:latin typeface="Times New Roman" panose="02020603050405020304" pitchFamily="18" charset="0"/>
-                <a:cs typeface="Times New Roman" panose="02020603050405020304" pitchFamily="18" charset="0"/>
-              </a:rPr>
-              <a:t>B</a:t>
-            </a:r>
-            <a:r>
-              <a:rPr lang="en-US" altLang="zh-CN" dirty="0" smtClean="0">
-                <a:latin typeface="Times New Roman" panose="02020603050405020304" pitchFamily="18" charset="0"/>
-                <a:cs typeface="Times New Roman" panose="02020603050405020304" pitchFamily="18" charset="0"/>
-              </a:rPr>
-              <a:t>ase Graph Embedding (</a:t>
-            </a:r>
-            <a:r>
-              <a:rPr lang="zh-CN" altLang="en-US" dirty="0" smtClean="0">
-                <a:latin typeface="Times New Roman" panose="02020603050405020304" pitchFamily="18" charset="0"/>
-                <a:cs typeface="Times New Roman" panose="02020603050405020304" pitchFamily="18" charset="0"/>
-              </a:rPr>
-              <a:t>基于概率随机游走</a:t>
-            </a:r>
-            <a:r>
-              <a:rPr lang="en-US" altLang="zh-CN" dirty="0" smtClean="0">
-                <a:latin typeface="Times New Roman" panose="02020603050405020304" pitchFamily="18" charset="0"/>
-                <a:cs typeface="Times New Roman" panose="02020603050405020304" pitchFamily="18" charset="0"/>
-              </a:rPr>
-              <a:t>)</a:t>
-            </a:r>
-          </a:p>
-          <a:p>
-            <a:endParaRPr lang="en-US" altLang="zh-CN" dirty="0">
-              <a:latin typeface="Times New Roman" panose="02020603050405020304" pitchFamily="18" charset="0"/>
-              <a:cs typeface="Times New Roman" panose="02020603050405020304" pitchFamily="18" charset="0"/>
-            </a:endParaRPr>
-          </a:p>
-          <a:p>
-            <a:r>
-              <a:rPr lang="en-US" altLang="zh-CN" b="1" dirty="0" smtClean="0">
-                <a:latin typeface="Times New Roman" panose="02020603050405020304" pitchFamily="18" charset="0"/>
-                <a:cs typeface="Times New Roman" panose="02020603050405020304" pitchFamily="18" charset="0"/>
-              </a:rPr>
-              <a:t>GES</a:t>
-            </a:r>
-            <a:r>
-              <a:rPr lang="en-US" altLang="zh-CN" dirty="0" smtClean="0">
-                <a:latin typeface="Times New Roman" panose="02020603050405020304" pitchFamily="18" charset="0"/>
-                <a:cs typeface="Times New Roman" panose="02020603050405020304" pitchFamily="18" charset="0"/>
-              </a:rPr>
-              <a:t>: Graph Embedding with Sid Information</a:t>
-            </a:r>
-          </a:p>
-          <a:p>
-            <a:r>
-              <a:rPr lang="en-US" altLang="zh-CN" dirty="0" smtClean="0">
-                <a:latin typeface="Times New Roman" panose="02020603050405020304" pitchFamily="18" charset="0"/>
-                <a:cs typeface="Times New Roman" panose="02020603050405020304" pitchFamily="18" charset="0"/>
-              </a:rPr>
-              <a:t>     </a:t>
-            </a:r>
-            <a:r>
-              <a:rPr lang="zh-CN" altLang="en-US" dirty="0" smtClean="0">
-                <a:latin typeface="Times New Roman" panose="02020603050405020304" pitchFamily="18" charset="0"/>
-                <a:cs typeface="Times New Roman" panose="02020603050405020304" pitchFamily="18" charset="0"/>
-              </a:rPr>
-              <a:t>假设每个节点</a:t>
-            </a:r>
-            <a:r>
-              <a:rPr lang="en-US" altLang="zh-CN" dirty="0">
-                <a:latin typeface="Times New Roman" panose="02020603050405020304" pitchFamily="18" charset="0"/>
-                <a:cs typeface="Times New Roman" panose="02020603050405020304" pitchFamily="18" charset="0"/>
-              </a:rPr>
-              <a:t> </a:t>
-            </a:r>
-            <a:r>
-              <a:rPr lang="en-US" altLang="zh-CN" dirty="0" smtClean="0">
-                <a:latin typeface="Times New Roman" panose="02020603050405020304" pitchFamily="18" charset="0"/>
-                <a:cs typeface="Times New Roman" panose="02020603050405020304" pitchFamily="18" charset="0"/>
-              </a:rPr>
-              <a:t>   </a:t>
-            </a:r>
-            <a:r>
-              <a:rPr lang="zh-CN" altLang="en-US" dirty="0" smtClean="0">
-                <a:latin typeface="Times New Roman" panose="02020603050405020304" pitchFamily="18" charset="0"/>
-                <a:cs typeface="Times New Roman" panose="02020603050405020304" pitchFamily="18" charset="0"/>
-              </a:rPr>
-              <a:t>有</a:t>
-            </a:r>
-            <a:r>
-              <a:rPr lang="en-US" altLang="zh-CN" dirty="0" smtClean="0">
-                <a:latin typeface="Times New Roman" panose="02020603050405020304" pitchFamily="18" charset="0"/>
-                <a:cs typeface="Times New Roman" panose="02020603050405020304" pitchFamily="18" charset="0"/>
-              </a:rPr>
-              <a:t>     </a:t>
-            </a:r>
-            <a:r>
-              <a:rPr lang="zh-CN" altLang="en-US" dirty="0" smtClean="0">
-                <a:latin typeface="Times New Roman" panose="02020603050405020304" pitchFamily="18" charset="0"/>
-                <a:cs typeface="Times New Roman" panose="02020603050405020304" pitchFamily="18" charset="0"/>
-              </a:rPr>
-              <a:t>种不同的</a:t>
-            </a:r>
-            <a:r>
-              <a:rPr lang="en-US" altLang="zh-CN" dirty="0" smtClean="0">
-                <a:latin typeface="Times New Roman" panose="02020603050405020304" pitchFamily="18" charset="0"/>
-                <a:cs typeface="Times New Roman" panose="02020603050405020304" pitchFamily="18" charset="0"/>
-              </a:rPr>
-              <a:t>side information:  </a:t>
-            </a:r>
-          </a:p>
-          <a:p>
-            <a:r>
-              <a:rPr lang="en-US" altLang="zh-CN" dirty="0" smtClean="0">
-                <a:latin typeface="Times New Roman" panose="02020603050405020304" pitchFamily="18" charset="0"/>
-                <a:cs typeface="Times New Roman" panose="02020603050405020304" pitchFamily="18" charset="0"/>
-              </a:rPr>
-              <a:t>     average-pooling operation:</a:t>
-            </a:r>
-          </a:p>
-          <a:p>
-            <a:r>
-              <a:rPr lang="en-US" altLang="zh-CN" dirty="0">
-                <a:latin typeface="Times New Roman" panose="02020603050405020304" pitchFamily="18" charset="0"/>
-                <a:cs typeface="Times New Roman" panose="02020603050405020304" pitchFamily="18" charset="0"/>
-              </a:rPr>
-              <a:t> </a:t>
-            </a:r>
-            <a:r>
-              <a:rPr lang="en-US" altLang="zh-CN" dirty="0" smtClean="0">
-                <a:latin typeface="Times New Roman" panose="02020603050405020304" pitchFamily="18" charset="0"/>
-                <a:cs typeface="Times New Roman" panose="02020603050405020304" pitchFamily="18" charset="0"/>
-              </a:rPr>
-              <a:t>                               </a:t>
-            </a:r>
-            <a:endParaRPr lang="en-US" altLang="zh-CN" dirty="0">
-              <a:latin typeface="Times New Roman" panose="02020603050405020304" pitchFamily="18" charset="0"/>
-              <a:cs typeface="Times New Roman" panose="02020603050405020304" pitchFamily="18" charset="0"/>
-            </a:endParaRPr>
-          </a:p>
-          <a:p>
-            <a:endParaRPr lang="en-US" altLang="zh-CN" dirty="0" smtClean="0">
-              <a:latin typeface="Times New Roman" panose="02020603050405020304" pitchFamily="18" charset="0"/>
-              <a:cs typeface="Times New Roman" panose="02020603050405020304" pitchFamily="18" charset="0"/>
-            </a:endParaRPr>
-          </a:p>
-          <a:p>
-            <a:endParaRPr lang="en-US" altLang="zh-CN" dirty="0">
-              <a:latin typeface="Times New Roman" panose="02020603050405020304" pitchFamily="18" charset="0"/>
-              <a:cs typeface="Times New Roman" panose="02020603050405020304" pitchFamily="18" charset="0"/>
-            </a:endParaRPr>
-          </a:p>
-          <a:p>
-            <a:endParaRPr lang="en-US" altLang="zh-CN" dirty="0" smtClean="0">
-              <a:latin typeface="Times New Roman" panose="02020603050405020304" pitchFamily="18" charset="0"/>
-              <a:cs typeface="Times New Roman" panose="02020603050405020304" pitchFamily="18" charset="0"/>
-            </a:endParaRPr>
-          </a:p>
-          <a:p>
-            <a:r>
-              <a:rPr lang="en-US" altLang="zh-CN" b="1" dirty="0" smtClean="0">
-                <a:latin typeface="Times New Roman" panose="02020603050405020304" pitchFamily="18" charset="0"/>
-                <a:cs typeface="Times New Roman" panose="02020603050405020304" pitchFamily="18" charset="0"/>
-              </a:rPr>
-              <a:t>EGES</a:t>
-            </a:r>
-            <a:r>
-              <a:rPr lang="en-US" altLang="zh-CN" dirty="0" smtClean="0">
-                <a:latin typeface="Times New Roman" panose="02020603050405020304" pitchFamily="18" charset="0"/>
-                <a:cs typeface="Times New Roman" panose="02020603050405020304" pitchFamily="18" charset="0"/>
-              </a:rPr>
-              <a:t>: Enhanced Graph Embedding with Side Information</a:t>
-            </a:r>
-          </a:p>
-          <a:p>
-            <a:r>
-              <a:rPr lang="en-US" altLang="zh-CN" dirty="0">
-                <a:latin typeface="Times New Roman" panose="02020603050405020304" pitchFamily="18" charset="0"/>
-                <a:cs typeface="Times New Roman" panose="02020603050405020304" pitchFamily="18" charset="0"/>
-              </a:rPr>
-              <a:t> </a:t>
-            </a:r>
-            <a:r>
-              <a:rPr lang="en-US" altLang="zh-CN" dirty="0" smtClean="0">
-                <a:latin typeface="Times New Roman" panose="02020603050405020304" pitchFamily="18" charset="0"/>
-                <a:cs typeface="Times New Roman" panose="02020603050405020304" pitchFamily="18" charset="0"/>
-              </a:rPr>
-              <a:t>     weighted average combining:</a:t>
-            </a:r>
-          </a:p>
-          <a:p>
-            <a:endParaRPr lang="en-US" altLang="zh-CN" dirty="0">
-              <a:latin typeface="Times New Roman" panose="02020603050405020304" pitchFamily="18" charset="0"/>
-              <a:cs typeface="Times New Roman" panose="02020603050405020304" pitchFamily="18" charset="0"/>
-            </a:endParaRPr>
-          </a:p>
-          <a:p>
-            <a:endParaRPr lang="en-US" altLang="zh-CN" dirty="0" smtClean="0">
-              <a:latin typeface="Times New Roman" panose="02020603050405020304" pitchFamily="18" charset="0"/>
-              <a:cs typeface="Times New Roman" panose="02020603050405020304" pitchFamily="18" charset="0"/>
-            </a:endParaRPr>
-          </a:p>
-          <a:p>
-            <a:endParaRPr lang="en-US" altLang="zh-CN" dirty="0">
-              <a:latin typeface="Times New Roman" panose="02020603050405020304" pitchFamily="18" charset="0"/>
-              <a:cs typeface="Times New Roman" panose="02020603050405020304" pitchFamily="18" charset="0"/>
-            </a:endParaRPr>
-          </a:p>
-          <a:p>
-            <a:endParaRPr lang="en-US" altLang="zh-CN" dirty="0" smtClean="0">
-              <a:latin typeface="Times New Roman" panose="02020603050405020304" pitchFamily="18" charset="0"/>
-              <a:cs typeface="Times New Roman" panose="02020603050405020304" pitchFamily="18" charset="0"/>
-            </a:endParaRPr>
-          </a:p>
-          <a:p>
-            <a:endParaRPr lang="en-US" altLang="zh-CN" dirty="0">
-              <a:latin typeface="Times New Roman" panose="02020603050405020304" pitchFamily="18" charset="0"/>
-              <a:cs typeface="Times New Roman" panose="02020603050405020304" pitchFamily="18" charset="0"/>
-            </a:endParaRPr>
-          </a:p>
-          <a:p>
-            <a:r>
-              <a:rPr lang="zh-CN" altLang="en-US" b="1" dirty="0" smtClean="0">
-                <a:latin typeface="Times New Roman" panose="02020603050405020304" pitchFamily="18" charset="0"/>
-                <a:cs typeface="Times New Roman" panose="02020603050405020304" pitchFamily="18" charset="0"/>
-              </a:rPr>
-              <a:t>模型</a:t>
-            </a:r>
-            <a:r>
-              <a:rPr lang="zh-CN" altLang="en-US" dirty="0" smtClean="0">
-                <a:latin typeface="Times New Roman" panose="02020603050405020304" pitchFamily="18" charset="0"/>
-                <a:cs typeface="Times New Roman" panose="02020603050405020304" pitchFamily="18" charset="0"/>
-              </a:rPr>
-              <a:t>：</a:t>
-            </a:r>
-            <a:endParaRPr lang="en-US" altLang="zh-CN" dirty="0" smtClean="0">
-              <a:latin typeface="Times New Roman" panose="02020603050405020304" pitchFamily="18" charset="0"/>
-              <a:cs typeface="Times New Roman" panose="02020603050405020304" pitchFamily="18" charset="0"/>
-            </a:endParaRPr>
-          </a:p>
-          <a:p>
-            <a:endParaRPr lang="en-US" altLang="zh-CN" dirty="0">
-              <a:latin typeface="Times New Roman" panose="02020603050405020304" pitchFamily="18" charset="0"/>
-              <a:cs typeface="Times New Roman" panose="02020603050405020304" pitchFamily="18" charset="0"/>
-            </a:endParaRPr>
-          </a:p>
-          <a:p>
-            <a:endParaRPr lang="en-US" altLang="zh-CN" dirty="0" smtClean="0">
-              <a:latin typeface="Times New Roman" panose="02020603050405020304" pitchFamily="18" charset="0"/>
-              <a:cs typeface="Times New Roman" panose="02020603050405020304" pitchFamily="18" charset="0"/>
-            </a:endParaRPr>
-          </a:p>
-        </p:txBody>
-      </p:sp>
-      <p:pic>
-        <p:nvPicPr>
-          <p:cNvPr id="5" name="图片 4"/>
-          <p:cNvPicPr>
-            <a:picLocks noChangeAspect="1"/>
-          </p:cNvPicPr>
-          <p:nvPr/>
-        </p:nvPicPr>
-        <p:blipFill>
-          <a:blip r:embed="rId2"/>
-          <a:stretch>
-            <a:fillRect/>
-          </a:stretch>
-        </p:blipFill>
-        <p:spPr>
-          <a:xfrm>
-            <a:off x="5275258" y="1841119"/>
-            <a:ext cx="1311973" cy="431318"/>
-          </a:xfrm>
-          <a:prstGeom prst="rect">
-            <a:avLst/>
-          </a:prstGeom>
-        </p:spPr>
-      </p:pic>
-      <p:pic>
-        <p:nvPicPr>
-          <p:cNvPr id="6" name="图片 5"/>
-          <p:cNvPicPr>
-            <a:picLocks noChangeAspect="1"/>
-          </p:cNvPicPr>
-          <p:nvPr/>
-        </p:nvPicPr>
-        <p:blipFill>
-          <a:blip r:embed="rId3"/>
-          <a:stretch>
-            <a:fillRect/>
-          </a:stretch>
-        </p:blipFill>
-        <p:spPr>
-          <a:xfrm>
-            <a:off x="2058148" y="1875999"/>
-            <a:ext cx="247135" cy="303834"/>
-          </a:xfrm>
-          <a:prstGeom prst="rect">
-            <a:avLst/>
-          </a:prstGeom>
-        </p:spPr>
-      </p:pic>
-      <p:pic>
-        <p:nvPicPr>
-          <p:cNvPr id="7" name="图片 6"/>
-          <p:cNvPicPr>
-            <a:picLocks noChangeAspect="1"/>
-          </p:cNvPicPr>
-          <p:nvPr/>
-        </p:nvPicPr>
-        <p:blipFill>
-          <a:blip r:embed="rId4"/>
-          <a:stretch>
-            <a:fillRect/>
-          </a:stretch>
-        </p:blipFill>
-        <p:spPr>
-          <a:xfrm>
-            <a:off x="2533135" y="1900958"/>
-            <a:ext cx="222421" cy="253916"/>
-          </a:xfrm>
-          <a:prstGeom prst="rect">
-            <a:avLst/>
-          </a:prstGeom>
-        </p:spPr>
-      </p:pic>
-      <p:pic>
-        <p:nvPicPr>
-          <p:cNvPr id="8" name="图片 7"/>
-          <p:cNvPicPr>
-            <a:picLocks noChangeAspect="1"/>
-          </p:cNvPicPr>
-          <p:nvPr/>
-        </p:nvPicPr>
-        <p:blipFill>
-          <a:blip r:embed="rId5"/>
-          <a:stretch>
-            <a:fillRect/>
-          </a:stretch>
-        </p:blipFill>
-        <p:spPr>
-          <a:xfrm>
-            <a:off x="1891804" y="2576699"/>
-            <a:ext cx="1864650" cy="758231"/>
-          </a:xfrm>
-          <a:prstGeom prst="rect">
-            <a:avLst/>
-          </a:prstGeom>
-        </p:spPr>
-      </p:pic>
-      <p:pic>
-        <p:nvPicPr>
-          <p:cNvPr id="9" name="图片 8"/>
-          <p:cNvPicPr>
-            <a:picLocks noChangeAspect="1"/>
-          </p:cNvPicPr>
-          <p:nvPr/>
-        </p:nvPicPr>
-        <p:blipFill>
-          <a:blip r:embed="rId6"/>
-          <a:stretch>
-            <a:fillRect/>
-          </a:stretch>
-        </p:blipFill>
-        <p:spPr>
-          <a:xfrm>
-            <a:off x="1884407" y="4266365"/>
-            <a:ext cx="1909118" cy="1002002"/>
-          </a:xfrm>
-          <a:prstGeom prst="rect">
-            <a:avLst/>
-          </a:prstGeom>
-        </p:spPr>
-      </p:pic>
-      <p:pic>
-        <p:nvPicPr>
-          <p:cNvPr id="10" name="图片 9"/>
-          <p:cNvPicPr>
-            <a:picLocks noChangeAspect="1"/>
-          </p:cNvPicPr>
-          <p:nvPr/>
-        </p:nvPicPr>
-        <p:blipFill>
-          <a:blip r:embed="rId7"/>
-          <a:stretch>
-            <a:fillRect/>
-          </a:stretch>
-        </p:blipFill>
-        <p:spPr>
-          <a:xfrm>
-            <a:off x="6725834" y="987516"/>
-            <a:ext cx="5267325" cy="3667125"/>
-          </a:xfrm>
-          <a:prstGeom prst="rect">
-            <a:avLst/>
-          </a:prstGeom>
-        </p:spPr>
-      </p:pic>
-      <p:pic>
-        <p:nvPicPr>
-          <p:cNvPr id="12" name="图片 11"/>
-          <p:cNvPicPr>
-            <a:picLocks noChangeAspect="1"/>
-          </p:cNvPicPr>
-          <p:nvPr/>
-        </p:nvPicPr>
-        <p:blipFill>
-          <a:blip r:embed="rId8"/>
-          <a:stretch>
-            <a:fillRect/>
-          </a:stretch>
-        </p:blipFill>
-        <p:spPr>
-          <a:xfrm>
-            <a:off x="1070053" y="5682084"/>
-            <a:ext cx="6559051" cy="528379"/>
-          </a:xfrm>
-          <a:prstGeom prst="rect">
-            <a:avLst/>
-          </a:prstGeom>
-        </p:spPr>
-      </p:pic>
-    </p:spTree>
-    <p:extLst>
-      <p:ext uri="{BB962C8B-B14F-4D97-AF65-F5344CB8AC3E}">
-        <p14:creationId xmlns:p14="http://schemas.microsoft.com/office/powerpoint/2010/main" val="591074597"/>
-      </p:ext>
-    </p:extLst>
-  </p:cSld>
-  <p:clrMapOvr>
-    <a:masterClrMapping/>
-  </p:clrMapOvr>
-  <p:timing>
-    <p:tnLst>
-      <p:par>
-        <p:cTn id="1" dur="indefinite" restart="never" nodeType="tmRoot"/>
-      </p:par>
-    </p:tnLst>
-  </p:timing>
-</p:sld>
-</file>
-
-<file path=ppt/slides/slide9.xml><?xml version="1.0" encoding="utf-8"?>
-<p:sld xmlns:a="http://schemas.openxmlformats.org/drawingml/2006/main" xmlns:r="http://schemas.openxmlformats.org/officeDocument/2006/relationships" xmlns:p="http://schemas.openxmlformats.org/presentationml/2006/main">
-  <p:cSld>
-    <p:spTree>
-      <p:nvGrpSpPr>
-        <p:cNvPr id="1" name=""/>
-        <p:cNvGrpSpPr/>
-        <p:nvPr/>
-      </p:nvGrpSpPr>
-      <p:grpSpPr>
-        <a:xfrm>
-          <a:off x="0" y="0"/>
-          <a:ext cx="0" cy="0"/>
-          <a:chOff x="0" y="0"/>
-          <a:chExt cx="0" cy="0"/>
-        </a:xfrm>
-      </p:grpSpPr>
-      <p:sp>
-        <p:nvSpPr>
-          <p:cNvPr id="2" name="标题 1"/>
-          <p:cNvSpPr>
-            <a:spLocks noGrp="1"/>
-          </p:cNvSpPr>
-          <p:nvPr>
-            <p:ph type="ctrTitle"/>
-          </p:nvPr>
-        </p:nvSpPr>
-        <p:spPr>
-          <a:xfrm>
-            <a:off x="296562" y="160636"/>
-            <a:ext cx="1363260" cy="593125"/>
-          </a:xfrm>
-        </p:spPr>
-        <p:txBody>
-          <a:bodyPr>
-            <a:normAutofit/>
-          </a:bodyPr>
-          <a:lstStyle/>
-          <a:p>
-            <a:r>
-              <a:rPr lang="en-US" altLang="zh-CN" sz="3200" dirty="0">
-                <a:latin typeface="Times New Roman" panose="02020603050405020304" pitchFamily="18" charset="0"/>
-                <a:ea typeface="+mn-ea"/>
-                <a:cs typeface="Times New Roman" panose="02020603050405020304" pitchFamily="18" charset="0"/>
-              </a:rPr>
-              <a:t>SDNE</a:t>
-            </a:r>
-            <a:endParaRPr lang="zh-CN" altLang="en-US" sz="3200" dirty="0">
-              <a:latin typeface="Times New Roman" panose="02020603050405020304" pitchFamily="18" charset="0"/>
-              <a:ea typeface="+mn-ea"/>
-              <a:cs typeface="Times New Roman" panose="02020603050405020304" pitchFamily="18" charset="0"/>
-            </a:endParaRPr>
-          </a:p>
-        </p:txBody>
-      </p:sp>
-      <p:sp>
-        <p:nvSpPr>
-          <p:cNvPr id="11" name="文本框 10"/>
-          <p:cNvSpPr txBox="1"/>
-          <p:nvPr/>
-        </p:nvSpPr>
-        <p:spPr>
-          <a:xfrm>
-            <a:off x="296561" y="987516"/>
-            <a:ext cx="6647935" cy="5632311"/>
-          </a:xfrm>
-          <a:prstGeom prst="rect">
-            <a:avLst/>
-          </a:prstGeom>
-          <a:noFill/>
-        </p:spPr>
-        <p:txBody>
-          <a:bodyPr wrap="square" rtlCol="0">
-            <a:spAutoFit/>
-          </a:bodyPr>
-          <a:lstStyle/>
-          <a:p>
-            <a:r>
-              <a:rPr lang="zh-CN" altLang="en-US" dirty="0" smtClean="0">
-                <a:latin typeface="Times New Roman" panose="02020603050405020304" pitchFamily="18" charset="0"/>
-                <a:cs typeface="Times New Roman" panose="02020603050405020304" pitchFamily="18" charset="0"/>
-              </a:rPr>
-              <a:t>设邻接矩阵：</a:t>
-            </a:r>
-            <a:endParaRPr lang="en-US" altLang="zh-CN" dirty="0" smtClean="0">
-              <a:latin typeface="Times New Roman" panose="02020603050405020304" pitchFamily="18" charset="0"/>
-              <a:cs typeface="Times New Roman" panose="02020603050405020304" pitchFamily="18" charset="0"/>
-            </a:endParaRPr>
-          </a:p>
-          <a:p>
-            <a:r>
-              <a:rPr lang="zh-CN" altLang="en-US" dirty="0" smtClean="0">
-                <a:latin typeface="Times New Roman" panose="02020603050405020304" pitchFamily="18" charset="0"/>
-                <a:cs typeface="Times New Roman" panose="02020603050405020304" pitchFamily="18" charset="0"/>
-              </a:rPr>
-              <a:t>若取               则：</a:t>
-            </a:r>
-            <a:endParaRPr lang="en-US" altLang="zh-CN" dirty="0" smtClean="0">
-              <a:latin typeface="Times New Roman" panose="02020603050405020304" pitchFamily="18" charset="0"/>
-              <a:cs typeface="Times New Roman" panose="02020603050405020304" pitchFamily="18" charset="0"/>
-            </a:endParaRPr>
-          </a:p>
-          <a:p>
-            <a:endParaRPr lang="en-US" altLang="zh-CN" dirty="0" smtClean="0">
-              <a:latin typeface="Times New Roman" panose="02020603050405020304" pitchFamily="18" charset="0"/>
-              <a:cs typeface="Times New Roman" panose="02020603050405020304" pitchFamily="18" charset="0"/>
-            </a:endParaRPr>
-          </a:p>
-          <a:p>
-            <a:endParaRPr lang="en-US" altLang="zh-CN" dirty="0" smtClean="0">
-              <a:latin typeface="Times New Roman" panose="02020603050405020304" pitchFamily="18" charset="0"/>
-              <a:cs typeface="Times New Roman" panose="02020603050405020304" pitchFamily="18" charset="0"/>
-            </a:endParaRPr>
-          </a:p>
-          <a:p>
-            <a:endParaRPr lang="en-US" altLang="zh-CN" dirty="0">
-              <a:latin typeface="Times New Roman" panose="02020603050405020304" pitchFamily="18" charset="0"/>
-              <a:cs typeface="Times New Roman" panose="02020603050405020304" pitchFamily="18" charset="0"/>
-            </a:endParaRPr>
-          </a:p>
-          <a:p>
-            <a:endParaRPr lang="en-US" altLang="zh-CN" dirty="0" smtClean="0">
-              <a:latin typeface="Times New Roman" panose="02020603050405020304" pitchFamily="18" charset="0"/>
-              <a:cs typeface="Times New Roman" panose="02020603050405020304" pitchFamily="18" charset="0"/>
-            </a:endParaRPr>
-          </a:p>
-          <a:p>
-            <a:r>
-              <a:rPr lang="zh-CN" altLang="en-US" b="1" dirty="0" smtClean="0">
-                <a:latin typeface="Times New Roman" panose="02020603050405020304" pitchFamily="18" charset="0"/>
-                <a:cs typeface="Times New Roman" panose="02020603050405020304" pitchFamily="18" charset="0"/>
-              </a:rPr>
-              <a:t>一阶损失</a:t>
-            </a:r>
-            <a:r>
-              <a:rPr lang="zh-CN" altLang="en-US" dirty="0" smtClean="0">
-                <a:latin typeface="Times New Roman" panose="02020603050405020304" pitchFamily="18" charset="0"/>
-                <a:cs typeface="Times New Roman" panose="02020603050405020304" pitchFamily="18" charset="0"/>
-              </a:rPr>
-              <a:t>：</a:t>
-            </a:r>
-            <a:endParaRPr lang="en-US" altLang="zh-CN" dirty="0" smtClean="0">
-              <a:latin typeface="Times New Roman" panose="02020603050405020304" pitchFamily="18" charset="0"/>
-              <a:cs typeface="Times New Roman" panose="02020603050405020304" pitchFamily="18" charset="0"/>
-            </a:endParaRPr>
-          </a:p>
-          <a:p>
-            <a:endParaRPr lang="en-US" altLang="zh-CN" dirty="0">
-              <a:latin typeface="Times New Roman" panose="02020603050405020304" pitchFamily="18" charset="0"/>
-              <a:cs typeface="Times New Roman" panose="02020603050405020304" pitchFamily="18" charset="0"/>
-            </a:endParaRPr>
-          </a:p>
-          <a:p>
-            <a:endParaRPr lang="en-US" altLang="zh-CN" dirty="0" smtClean="0">
-              <a:latin typeface="Times New Roman" panose="02020603050405020304" pitchFamily="18" charset="0"/>
-              <a:cs typeface="Times New Roman" panose="02020603050405020304" pitchFamily="18" charset="0"/>
-            </a:endParaRPr>
-          </a:p>
-          <a:p>
-            <a:r>
-              <a:rPr lang="zh-CN" altLang="en-US" b="1" dirty="0">
-                <a:latin typeface="Times New Roman" panose="02020603050405020304" pitchFamily="18" charset="0"/>
-                <a:cs typeface="Times New Roman" panose="02020603050405020304" pitchFamily="18" charset="0"/>
-              </a:rPr>
-              <a:t>二</a:t>
-            </a:r>
-            <a:r>
-              <a:rPr lang="zh-CN" altLang="en-US" b="1" dirty="0" smtClean="0">
-                <a:latin typeface="Times New Roman" panose="02020603050405020304" pitchFamily="18" charset="0"/>
-                <a:cs typeface="Times New Roman" panose="02020603050405020304" pitchFamily="18" charset="0"/>
-              </a:rPr>
-              <a:t>级损失</a:t>
-            </a:r>
-            <a:r>
-              <a:rPr lang="zh-CN" altLang="en-US" dirty="0" smtClean="0">
-                <a:latin typeface="Times New Roman" panose="02020603050405020304" pitchFamily="18" charset="0"/>
-                <a:cs typeface="Times New Roman" panose="02020603050405020304" pitchFamily="18" charset="0"/>
-              </a:rPr>
-              <a:t>：</a:t>
-            </a:r>
-            <a:endParaRPr lang="en-US" altLang="zh-CN" dirty="0" smtClean="0">
-              <a:latin typeface="Times New Roman" panose="02020603050405020304" pitchFamily="18" charset="0"/>
-              <a:cs typeface="Times New Roman" panose="02020603050405020304" pitchFamily="18" charset="0"/>
-            </a:endParaRPr>
-          </a:p>
-          <a:p>
-            <a:endParaRPr lang="en-US" altLang="zh-CN" dirty="0">
-              <a:latin typeface="Times New Roman" panose="02020603050405020304" pitchFamily="18" charset="0"/>
-              <a:cs typeface="Times New Roman" panose="02020603050405020304" pitchFamily="18" charset="0"/>
-            </a:endParaRPr>
-          </a:p>
-          <a:p>
-            <a:endParaRPr lang="en-US" altLang="zh-CN" dirty="0" smtClean="0">
-              <a:latin typeface="Times New Roman" panose="02020603050405020304" pitchFamily="18" charset="0"/>
-              <a:cs typeface="Times New Roman" panose="02020603050405020304" pitchFamily="18" charset="0"/>
-            </a:endParaRPr>
-          </a:p>
-          <a:p>
-            <a:endParaRPr lang="en-US" altLang="zh-CN" dirty="0">
-              <a:latin typeface="Times New Roman" panose="02020603050405020304" pitchFamily="18" charset="0"/>
-              <a:cs typeface="Times New Roman" panose="02020603050405020304" pitchFamily="18" charset="0"/>
-            </a:endParaRPr>
-          </a:p>
-          <a:p>
-            <a:endParaRPr lang="en-US" altLang="zh-CN" dirty="0" smtClean="0">
-              <a:latin typeface="Times New Roman" panose="02020603050405020304" pitchFamily="18" charset="0"/>
-              <a:cs typeface="Times New Roman" panose="02020603050405020304" pitchFamily="18" charset="0"/>
-            </a:endParaRPr>
-          </a:p>
-          <a:p>
-            <a:endParaRPr lang="en-US" altLang="zh-CN" dirty="0" smtClean="0">
-              <a:latin typeface="Times New Roman" panose="02020603050405020304" pitchFamily="18" charset="0"/>
-              <a:cs typeface="Times New Roman" panose="02020603050405020304" pitchFamily="18" charset="0"/>
-            </a:endParaRPr>
-          </a:p>
-          <a:p>
-            <a:endParaRPr lang="en-US" altLang="zh-CN" dirty="0">
-              <a:latin typeface="Times New Roman" panose="02020603050405020304" pitchFamily="18" charset="0"/>
-              <a:cs typeface="Times New Roman" panose="02020603050405020304" pitchFamily="18" charset="0"/>
-            </a:endParaRPr>
-          </a:p>
-          <a:p>
-            <a:r>
-              <a:rPr lang="zh-CN" altLang="en-US" b="1" dirty="0" smtClean="0">
-                <a:latin typeface="Times New Roman" panose="02020603050405020304" pitchFamily="18" charset="0"/>
-                <a:cs typeface="Times New Roman" panose="02020603050405020304" pitchFamily="18" charset="0"/>
-              </a:rPr>
-              <a:t>总损失</a:t>
-            </a:r>
-            <a:r>
-              <a:rPr lang="zh-CN" altLang="en-US" dirty="0" smtClean="0">
-                <a:latin typeface="Times New Roman" panose="02020603050405020304" pitchFamily="18" charset="0"/>
-                <a:cs typeface="Times New Roman" panose="02020603050405020304" pitchFamily="18" charset="0"/>
-              </a:rPr>
-              <a:t>：</a:t>
-            </a:r>
-            <a:endParaRPr lang="en-US" altLang="zh-CN" dirty="0">
-              <a:latin typeface="Times New Roman" panose="02020603050405020304" pitchFamily="18" charset="0"/>
-              <a:cs typeface="Times New Roman" panose="02020603050405020304" pitchFamily="18" charset="0"/>
-            </a:endParaRPr>
-          </a:p>
-          <a:p>
-            <a:endParaRPr lang="en-US" altLang="zh-CN" dirty="0" smtClean="0">
-              <a:latin typeface="Times New Roman" panose="02020603050405020304" pitchFamily="18" charset="0"/>
-              <a:cs typeface="Times New Roman" panose="02020603050405020304" pitchFamily="18" charset="0"/>
-            </a:endParaRPr>
-          </a:p>
-          <a:p>
-            <a:endParaRPr lang="en-US" altLang="zh-CN" dirty="0">
-              <a:latin typeface="Times New Roman" panose="02020603050405020304" pitchFamily="18" charset="0"/>
-              <a:cs typeface="Times New Roman" panose="02020603050405020304" pitchFamily="18" charset="0"/>
-            </a:endParaRPr>
-          </a:p>
-          <a:p>
-            <a:endParaRPr lang="en-US" altLang="zh-CN" dirty="0" smtClean="0">
-              <a:latin typeface="Times New Roman" panose="02020603050405020304" pitchFamily="18" charset="0"/>
-              <a:cs typeface="Times New Roman" panose="02020603050405020304" pitchFamily="18" charset="0"/>
-            </a:endParaRPr>
-          </a:p>
-        </p:txBody>
-      </p:sp>
-      <p:pic>
-        <p:nvPicPr>
-          <p:cNvPr id="3" name="图片 2"/>
-          <p:cNvPicPr>
-            <a:picLocks noChangeAspect="1"/>
-          </p:cNvPicPr>
-          <p:nvPr/>
-        </p:nvPicPr>
-        <p:blipFill>
-          <a:blip r:embed="rId2"/>
-          <a:stretch>
-            <a:fillRect/>
-          </a:stretch>
-        </p:blipFill>
-        <p:spPr>
-          <a:xfrm>
-            <a:off x="6008127" y="1111721"/>
-            <a:ext cx="5772150" cy="3324225"/>
-          </a:xfrm>
-          <a:prstGeom prst="rect">
-            <a:avLst/>
-          </a:prstGeom>
-        </p:spPr>
-      </p:pic>
-      <p:pic>
-        <p:nvPicPr>
-          <p:cNvPr id="4" name="图片 3"/>
-          <p:cNvPicPr>
-            <a:picLocks noChangeAspect="1"/>
-          </p:cNvPicPr>
-          <p:nvPr/>
-        </p:nvPicPr>
-        <p:blipFill>
-          <a:blip r:embed="rId3"/>
-          <a:stretch>
-            <a:fillRect/>
-          </a:stretch>
-        </p:blipFill>
-        <p:spPr>
-          <a:xfrm>
-            <a:off x="1612559" y="999086"/>
-            <a:ext cx="1432526" cy="411196"/>
-          </a:xfrm>
-          <a:prstGeom prst="rect">
-            <a:avLst/>
-          </a:prstGeom>
-        </p:spPr>
-      </p:pic>
-      <p:pic>
-        <p:nvPicPr>
-          <p:cNvPr id="13" name="图片 12"/>
-          <p:cNvPicPr>
-            <a:picLocks noChangeAspect="1"/>
-          </p:cNvPicPr>
-          <p:nvPr/>
-        </p:nvPicPr>
-        <p:blipFill>
-          <a:blip r:embed="rId4"/>
-          <a:stretch>
-            <a:fillRect/>
-          </a:stretch>
-        </p:blipFill>
-        <p:spPr>
-          <a:xfrm>
-            <a:off x="963828" y="1254241"/>
-            <a:ext cx="695994" cy="395019"/>
-          </a:xfrm>
-          <a:prstGeom prst="rect">
-            <a:avLst/>
-          </a:prstGeom>
-        </p:spPr>
-      </p:pic>
-      <p:pic>
-        <p:nvPicPr>
-          <p:cNvPr id="14" name="图片 13"/>
-          <p:cNvPicPr>
-            <a:picLocks noChangeAspect="1"/>
-          </p:cNvPicPr>
-          <p:nvPr/>
-        </p:nvPicPr>
-        <p:blipFill>
-          <a:blip r:embed="rId5"/>
-          <a:stretch>
-            <a:fillRect/>
-          </a:stretch>
-        </p:blipFill>
-        <p:spPr>
-          <a:xfrm>
-            <a:off x="1313827" y="1714333"/>
-            <a:ext cx="3856921" cy="841768"/>
-          </a:xfrm>
-          <a:prstGeom prst="rect">
-            <a:avLst/>
-          </a:prstGeom>
-        </p:spPr>
-      </p:pic>
-      <p:pic>
-        <p:nvPicPr>
-          <p:cNvPr id="15" name="图片 14"/>
-          <p:cNvPicPr>
-            <a:picLocks noChangeAspect="1"/>
-          </p:cNvPicPr>
-          <p:nvPr/>
-        </p:nvPicPr>
-        <p:blipFill>
-          <a:blip r:embed="rId6"/>
-          <a:stretch>
-            <a:fillRect/>
-          </a:stretch>
-        </p:blipFill>
-        <p:spPr>
-          <a:xfrm>
-            <a:off x="1338542" y="2773834"/>
-            <a:ext cx="2689756" cy="791211"/>
-          </a:xfrm>
-          <a:prstGeom prst="rect">
-            <a:avLst/>
-          </a:prstGeom>
-        </p:spPr>
-      </p:pic>
-      <p:pic>
-        <p:nvPicPr>
-          <p:cNvPr id="16" name="图片 15"/>
-          <p:cNvPicPr>
-            <a:picLocks noChangeAspect="1"/>
-          </p:cNvPicPr>
-          <p:nvPr/>
-        </p:nvPicPr>
-        <p:blipFill>
-          <a:blip r:embed="rId7"/>
-          <a:stretch>
-            <a:fillRect/>
-          </a:stretch>
-        </p:blipFill>
-        <p:spPr>
-          <a:xfrm>
-            <a:off x="1278922" y="3819607"/>
-            <a:ext cx="6232907" cy="1374154"/>
-          </a:xfrm>
-          <a:prstGeom prst="rect">
-            <a:avLst/>
-          </a:prstGeom>
-        </p:spPr>
-      </p:pic>
-      <p:pic>
-        <p:nvPicPr>
-          <p:cNvPr id="17" name="图片 16"/>
-          <p:cNvPicPr>
-            <a:picLocks noChangeAspect="1"/>
-          </p:cNvPicPr>
-          <p:nvPr/>
-        </p:nvPicPr>
-        <p:blipFill>
-          <a:blip r:embed="rId8"/>
-          <a:stretch>
-            <a:fillRect/>
-          </a:stretch>
-        </p:blipFill>
-        <p:spPr>
-          <a:xfrm>
-            <a:off x="1278922" y="5509289"/>
-            <a:ext cx="7568516" cy="1235654"/>
-          </a:xfrm>
-          <a:prstGeom prst="rect">
-            <a:avLst/>
-          </a:prstGeom>
-        </p:spPr>
-      </p:pic>
-    </p:spTree>
-    <p:extLst>
-      <p:ext uri="{BB962C8B-B14F-4D97-AF65-F5344CB8AC3E}">
-        <p14:creationId xmlns:p14="http://schemas.microsoft.com/office/powerpoint/2010/main" val="525313773"/>
       </p:ext>
     </p:extLst>
   </p:cSld>
